--- a/Documentation/ApresentacaoPFC.pptx
+++ b/Documentation/ApresentacaoPFC.pptx
@@ -26,6 +26,8 @@
     <p:sldId id="267" r:id="rId21"/>
     <p:sldId id="268" r:id="rId22"/>
     <p:sldId id="269" r:id="rId23"/>
+    <p:sldId id="270" r:id="rId24"/>
+    <p:sldId id="271" r:id="rId25"/>
   </p:sldIdLst>
   <p:sldSz cx="9144000" cy="5143500"/>
   <p:notesSz cx="7559675" cy="10691812"/>
@@ -9256,7 +9258,7 @@
       </p:grpSpPr>
       <p:sp>
         <p:nvSpPr>
-          <p:cNvPr id="401" name="PlaceHolder 1"/>
+          <p:cNvPr id="403" name="PlaceHolder 1"/>
           <p:cNvSpPr>
             <a:spLocks noGrp="1"/>
           </p:cNvSpPr>
@@ -9285,7 +9287,7 @@
       </p:sp>
       <p:sp>
         <p:nvSpPr>
-          <p:cNvPr id="402" name="PlaceHolder 2"/>
+          <p:cNvPr id="404" name="PlaceHolder 2"/>
           <p:cNvSpPr>
             <a:spLocks noGrp="1"/>
           </p:cNvSpPr>
@@ -9320,87 +9322,6 @@
 <file path=ppt/slideLayouts/slideLayout87.xml><?xml version="1.0" encoding="utf-8"?>
 <p:sldLayout xmlns:a="http://schemas.openxmlformats.org/drawingml/2006/main" xmlns:p="http://schemas.openxmlformats.org/presentationml/2006/main" xmlns:r="http://schemas.openxmlformats.org/officeDocument/2006/relationships" xmlns:p14="http://schemas.microsoft.com/office/powerpoint/2010/main" xmlns:p15="http://schemas.microsoft.com/office/powerpoint/2012/main" xmlns:mc="http://schemas.openxmlformats.org/markup-compatibility/2006" type="obj" preserve="1">
   <p:cSld name="Title, Content">
-    <p:spTree>
-      <p:nvGrpSpPr>
-        <p:cNvPr id="1" name=""/>
-        <p:cNvGrpSpPr/>
-        <p:nvPr/>
-      </p:nvGrpSpPr>
-      <p:grpSpPr>
-        <a:xfrm>
-          <a:off x="0" y="0"/>
-          <a:ext cx="0" cy="0"/>
-          <a:chOff x="0" y="0"/>
-          <a:chExt cx="0" cy="0"/>
-        </a:xfrm>
-      </p:grpSpPr>
-      <p:sp>
-        <p:nvSpPr>
-          <p:cNvPr id="403" name="PlaceHolder 1"/>
-          <p:cNvSpPr>
-            <a:spLocks noGrp="1"/>
-          </p:cNvSpPr>
-          <p:nvPr>
-            <p:ph type="title"/>
-          </p:nvPr>
-        </p:nvSpPr>
-        <p:spPr>
-          <a:xfrm>
-            <a:off x="457200" y="205200"/>
-            <a:ext cx="8229240" cy="858600"/>
-          </a:xfrm>
-          <a:prstGeom prst="rect">
-            <a:avLst/>
-          </a:prstGeom>
-        </p:spPr>
-        <p:txBody>
-          <a:bodyPr lIns="0" rIns="0" tIns="0" bIns="0" anchor="ctr"/>
-          <a:p>
-            <a:pPr algn="ctr"/>
-            <a:endParaRPr b="0" lang="pt-BR" sz="4400" spc="-1" strike="noStrike">
-              <a:latin typeface="Arial"/>
-            </a:endParaRPr>
-          </a:p>
-        </p:txBody>
-      </p:sp>
-      <p:sp>
-        <p:nvSpPr>
-          <p:cNvPr id="404" name="PlaceHolder 2"/>
-          <p:cNvSpPr>
-            <a:spLocks noGrp="1"/>
-          </p:cNvSpPr>
-          <p:nvPr>
-            <p:ph type="body"/>
-          </p:nvPr>
-        </p:nvSpPr>
-        <p:spPr>
-          <a:xfrm>
-            <a:off x="457200" y="1203480"/>
-            <a:ext cx="8229240" cy="2982960"/>
-          </a:xfrm>
-          <a:prstGeom prst="rect">
-            <a:avLst/>
-          </a:prstGeom>
-        </p:spPr>
-        <p:txBody>
-          <a:bodyPr lIns="0" rIns="0" tIns="0" bIns="0">
-            <a:normAutofit/>
-          </a:bodyPr>
-          <a:p>
-            <a:endParaRPr b="0" lang="pt-BR" sz="3200" spc="-1" strike="noStrike">
-              <a:latin typeface="Arial"/>
-            </a:endParaRPr>
-          </a:p>
-        </p:txBody>
-      </p:sp>
-    </p:spTree>
-  </p:cSld>
-</p:sldLayout>
-</file>
-
-<file path=ppt/slideLayouts/slideLayout88.xml><?xml version="1.0" encoding="utf-8"?>
-<p:sldLayout xmlns:a="http://schemas.openxmlformats.org/drawingml/2006/main" xmlns:p="http://schemas.openxmlformats.org/presentationml/2006/main" xmlns:r="http://schemas.openxmlformats.org/officeDocument/2006/relationships" xmlns:p14="http://schemas.microsoft.com/office/powerpoint/2010/main" xmlns:p15="http://schemas.microsoft.com/office/powerpoint/2012/main" xmlns:mc="http://schemas.openxmlformats.org/markup-compatibility/2006" type="twoObj" preserve="1">
-  <p:cSld name="Title, 2 Content">
     <p:spTree>
       <p:nvGrpSpPr>
         <p:cNvPr id="1" name=""/>
@@ -9457,6 +9378,87 @@
         <p:spPr>
           <a:xfrm>
             <a:off x="457200" y="1203480"/>
+            <a:ext cx="8229240" cy="2982960"/>
+          </a:xfrm>
+          <a:prstGeom prst="rect">
+            <a:avLst/>
+          </a:prstGeom>
+        </p:spPr>
+        <p:txBody>
+          <a:bodyPr lIns="0" rIns="0" tIns="0" bIns="0">
+            <a:normAutofit/>
+          </a:bodyPr>
+          <a:p>
+            <a:endParaRPr b="0" lang="pt-BR" sz="3200" spc="-1" strike="noStrike">
+              <a:latin typeface="Arial"/>
+            </a:endParaRPr>
+          </a:p>
+        </p:txBody>
+      </p:sp>
+    </p:spTree>
+  </p:cSld>
+</p:sldLayout>
+</file>
+
+<file path=ppt/slideLayouts/slideLayout88.xml><?xml version="1.0" encoding="utf-8"?>
+<p:sldLayout xmlns:a="http://schemas.openxmlformats.org/drawingml/2006/main" xmlns:p="http://schemas.openxmlformats.org/presentationml/2006/main" xmlns:r="http://schemas.openxmlformats.org/officeDocument/2006/relationships" xmlns:p14="http://schemas.microsoft.com/office/powerpoint/2010/main" xmlns:p15="http://schemas.microsoft.com/office/powerpoint/2012/main" xmlns:mc="http://schemas.openxmlformats.org/markup-compatibility/2006" type="twoObj" preserve="1">
+  <p:cSld name="Title, 2 Content">
+    <p:spTree>
+      <p:nvGrpSpPr>
+        <p:cNvPr id="1" name=""/>
+        <p:cNvGrpSpPr/>
+        <p:nvPr/>
+      </p:nvGrpSpPr>
+      <p:grpSpPr>
+        <a:xfrm>
+          <a:off x="0" y="0"/>
+          <a:ext cx="0" cy="0"/>
+          <a:chOff x="0" y="0"/>
+          <a:chExt cx="0" cy="0"/>
+        </a:xfrm>
+      </p:grpSpPr>
+      <p:sp>
+        <p:nvSpPr>
+          <p:cNvPr id="407" name="PlaceHolder 1"/>
+          <p:cNvSpPr>
+            <a:spLocks noGrp="1"/>
+          </p:cNvSpPr>
+          <p:nvPr>
+            <p:ph type="title"/>
+          </p:nvPr>
+        </p:nvSpPr>
+        <p:spPr>
+          <a:xfrm>
+            <a:off x="457200" y="205200"/>
+            <a:ext cx="8229240" cy="858600"/>
+          </a:xfrm>
+          <a:prstGeom prst="rect">
+            <a:avLst/>
+          </a:prstGeom>
+        </p:spPr>
+        <p:txBody>
+          <a:bodyPr lIns="0" rIns="0" tIns="0" bIns="0" anchor="ctr"/>
+          <a:p>
+            <a:pPr algn="ctr"/>
+            <a:endParaRPr b="0" lang="pt-BR" sz="4400" spc="-1" strike="noStrike">
+              <a:latin typeface="Arial"/>
+            </a:endParaRPr>
+          </a:p>
+        </p:txBody>
+      </p:sp>
+      <p:sp>
+        <p:nvSpPr>
+          <p:cNvPr id="408" name="PlaceHolder 2"/>
+          <p:cNvSpPr>
+            <a:spLocks noGrp="1"/>
+          </p:cNvSpPr>
+          <p:nvPr>
+            <p:ph type="body"/>
+          </p:nvPr>
+        </p:nvSpPr>
+        <p:spPr>
+          <a:xfrm>
+            <a:off x="457200" y="1203480"/>
             <a:ext cx="4015800" cy="2982960"/>
           </a:xfrm>
           <a:prstGeom prst="rect">
@@ -9476,7 +9478,7 @@
       </p:sp>
       <p:sp>
         <p:nvSpPr>
-          <p:cNvPr id="407" name="PlaceHolder 3"/>
+          <p:cNvPr id="409" name="PlaceHolder 3"/>
           <p:cNvSpPr>
             <a:spLocks noGrp="1"/>
           </p:cNvSpPr>
@@ -9528,7 +9530,7 @@
       </p:grpSpPr>
       <p:sp>
         <p:nvSpPr>
-          <p:cNvPr id="408" name="PlaceHolder 1"/>
+          <p:cNvPr id="410" name="PlaceHolder 1"/>
           <p:cNvSpPr>
             <a:spLocks noGrp="1"/>
           </p:cNvSpPr>
@@ -9720,7 +9722,7 @@
       </p:grpSpPr>
       <p:sp>
         <p:nvSpPr>
-          <p:cNvPr id="409" name="PlaceHolder 1"/>
+          <p:cNvPr id="411" name="PlaceHolder 1"/>
           <p:cNvSpPr>
             <a:spLocks noGrp="1"/>
           </p:cNvSpPr>
@@ -9771,7 +9773,7 @@
       </p:grpSpPr>
       <p:sp>
         <p:nvSpPr>
-          <p:cNvPr id="410" name="PlaceHolder 1"/>
+          <p:cNvPr id="412" name="PlaceHolder 1"/>
           <p:cNvSpPr>
             <a:spLocks noGrp="1"/>
           </p:cNvSpPr>
@@ -9800,7 +9802,7 @@
       </p:sp>
       <p:sp>
         <p:nvSpPr>
-          <p:cNvPr id="411" name="PlaceHolder 2"/>
+          <p:cNvPr id="413" name="PlaceHolder 2"/>
           <p:cNvSpPr>
             <a:spLocks noGrp="1"/>
           </p:cNvSpPr>
@@ -9830,7 +9832,7 @@
       </p:sp>
       <p:sp>
         <p:nvSpPr>
-          <p:cNvPr id="412" name="PlaceHolder 3"/>
+          <p:cNvPr id="414" name="PlaceHolder 3"/>
           <p:cNvSpPr>
             <a:spLocks noGrp="1"/>
           </p:cNvSpPr>
@@ -9860,7 +9862,7 @@
       </p:sp>
       <p:sp>
         <p:nvSpPr>
-          <p:cNvPr id="413" name="PlaceHolder 4"/>
+          <p:cNvPr id="415" name="PlaceHolder 4"/>
           <p:cNvSpPr>
             <a:spLocks noGrp="1"/>
           </p:cNvSpPr>
@@ -9912,7 +9914,7 @@
       </p:grpSpPr>
       <p:sp>
         <p:nvSpPr>
-          <p:cNvPr id="414" name="PlaceHolder 1"/>
+          <p:cNvPr id="416" name="PlaceHolder 1"/>
           <p:cNvSpPr>
             <a:spLocks noGrp="1"/>
           </p:cNvSpPr>
@@ -9941,7 +9943,7 @@
       </p:sp>
       <p:sp>
         <p:nvSpPr>
-          <p:cNvPr id="415" name="PlaceHolder 2"/>
+          <p:cNvPr id="417" name="PlaceHolder 2"/>
           <p:cNvSpPr>
             <a:spLocks noGrp="1"/>
           </p:cNvSpPr>
@@ -9971,7 +9973,7 @@
       </p:sp>
       <p:sp>
         <p:nvSpPr>
-          <p:cNvPr id="416" name="PlaceHolder 3"/>
+          <p:cNvPr id="418" name="PlaceHolder 3"/>
           <p:cNvSpPr>
             <a:spLocks noGrp="1"/>
           </p:cNvSpPr>
@@ -10001,7 +10003,7 @@
       </p:sp>
       <p:sp>
         <p:nvSpPr>
-          <p:cNvPr id="417" name="PlaceHolder 4"/>
+          <p:cNvPr id="419" name="PlaceHolder 4"/>
           <p:cNvSpPr>
             <a:spLocks noGrp="1"/>
           </p:cNvSpPr>
@@ -10053,7 +10055,7 @@
       </p:grpSpPr>
       <p:sp>
         <p:nvSpPr>
-          <p:cNvPr id="418" name="PlaceHolder 1"/>
+          <p:cNvPr id="420" name="PlaceHolder 1"/>
           <p:cNvSpPr>
             <a:spLocks noGrp="1"/>
           </p:cNvSpPr>
@@ -10082,7 +10084,7 @@
       </p:sp>
       <p:sp>
         <p:nvSpPr>
-          <p:cNvPr id="419" name="PlaceHolder 2"/>
+          <p:cNvPr id="421" name="PlaceHolder 2"/>
           <p:cNvSpPr>
             <a:spLocks noGrp="1"/>
           </p:cNvSpPr>
@@ -10112,7 +10114,7 @@
       </p:sp>
       <p:sp>
         <p:nvSpPr>
-          <p:cNvPr id="420" name="PlaceHolder 3"/>
+          <p:cNvPr id="422" name="PlaceHolder 3"/>
           <p:cNvSpPr>
             <a:spLocks noGrp="1"/>
           </p:cNvSpPr>
@@ -10142,7 +10144,7 @@
       </p:sp>
       <p:sp>
         <p:nvSpPr>
-          <p:cNvPr id="421" name="PlaceHolder 4"/>
+          <p:cNvPr id="423" name="PlaceHolder 4"/>
           <p:cNvSpPr>
             <a:spLocks noGrp="1"/>
           </p:cNvSpPr>
@@ -10194,7 +10196,7 @@
       </p:grpSpPr>
       <p:sp>
         <p:nvSpPr>
-          <p:cNvPr id="422" name="PlaceHolder 1"/>
+          <p:cNvPr id="424" name="PlaceHolder 1"/>
           <p:cNvSpPr>
             <a:spLocks noGrp="1"/>
           </p:cNvSpPr>
@@ -10223,7 +10225,7 @@
       </p:sp>
       <p:sp>
         <p:nvSpPr>
-          <p:cNvPr id="423" name="PlaceHolder 2"/>
+          <p:cNvPr id="425" name="PlaceHolder 2"/>
           <p:cNvSpPr>
             <a:spLocks noGrp="1"/>
           </p:cNvSpPr>
@@ -10253,7 +10255,7 @@
       </p:sp>
       <p:sp>
         <p:nvSpPr>
-          <p:cNvPr id="424" name="PlaceHolder 3"/>
+          <p:cNvPr id="426" name="PlaceHolder 3"/>
           <p:cNvSpPr>
             <a:spLocks noGrp="1"/>
           </p:cNvSpPr>
@@ -10305,7 +10307,7 @@
       </p:grpSpPr>
       <p:sp>
         <p:nvSpPr>
-          <p:cNvPr id="425" name="PlaceHolder 1"/>
+          <p:cNvPr id="427" name="PlaceHolder 1"/>
           <p:cNvSpPr>
             <a:spLocks noGrp="1"/>
           </p:cNvSpPr>
@@ -10334,7 +10336,7 @@
       </p:sp>
       <p:sp>
         <p:nvSpPr>
-          <p:cNvPr id="426" name="PlaceHolder 2"/>
+          <p:cNvPr id="428" name="PlaceHolder 2"/>
           <p:cNvSpPr>
             <a:spLocks noGrp="1"/>
           </p:cNvSpPr>
@@ -10364,7 +10366,7 @@
       </p:sp>
       <p:sp>
         <p:nvSpPr>
-          <p:cNvPr id="427" name="PlaceHolder 3"/>
+          <p:cNvPr id="429" name="PlaceHolder 3"/>
           <p:cNvSpPr>
             <a:spLocks noGrp="1"/>
           </p:cNvSpPr>
@@ -10394,7 +10396,7 @@
       </p:sp>
       <p:sp>
         <p:nvSpPr>
-          <p:cNvPr id="428" name="PlaceHolder 4"/>
+          <p:cNvPr id="430" name="PlaceHolder 4"/>
           <p:cNvSpPr>
             <a:spLocks noGrp="1"/>
           </p:cNvSpPr>
@@ -10424,7 +10426,7 @@
       </p:sp>
       <p:sp>
         <p:nvSpPr>
-          <p:cNvPr id="429" name="PlaceHolder 5"/>
+          <p:cNvPr id="431" name="PlaceHolder 5"/>
           <p:cNvSpPr>
             <a:spLocks noGrp="1"/>
           </p:cNvSpPr>
@@ -10476,7 +10478,7 @@
       </p:grpSpPr>
       <p:sp>
         <p:nvSpPr>
-          <p:cNvPr id="430" name="PlaceHolder 1"/>
+          <p:cNvPr id="432" name="PlaceHolder 1"/>
           <p:cNvSpPr>
             <a:spLocks noGrp="1"/>
           </p:cNvSpPr>
@@ -10505,7 +10507,7 @@
       </p:sp>
       <p:sp>
         <p:nvSpPr>
-          <p:cNvPr id="431" name="PlaceHolder 2"/>
+          <p:cNvPr id="433" name="PlaceHolder 2"/>
           <p:cNvSpPr>
             <a:spLocks noGrp="1"/>
           </p:cNvSpPr>
@@ -10535,7 +10537,7 @@
       </p:sp>
       <p:sp>
         <p:nvSpPr>
-          <p:cNvPr id="432" name="PlaceHolder 3"/>
+          <p:cNvPr id="434" name="PlaceHolder 3"/>
           <p:cNvSpPr>
             <a:spLocks noGrp="1"/>
           </p:cNvSpPr>
@@ -10565,7 +10567,7 @@
       </p:sp>
       <p:sp>
         <p:nvSpPr>
-          <p:cNvPr id="433" name="PlaceHolder 4"/>
+          <p:cNvPr id="435" name="PlaceHolder 4"/>
           <p:cNvSpPr>
             <a:spLocks noGrp="1"/>
           </p:cNvSpPr>
@@ -10595,7 +10597,7 @@
       </p:sp>
       <p:sp>
         <p:nvSpPr>
-          <p:cNvPr id="434" name="PlaceHolder 5"/>
+          <p:cNvPr id="436" name="PlaceHolder 5"/>
           <p:cNvSpPr>
             <a:spLocks noGrp="1"/>
           </p:cNvSpPr>
@@ -10625,7 +10627,7 @@
       </p:sp>
       <p:sp>
         <p:nvSpPr>
-          <p:cNvPr id="435" name="PlaceHolder 6"/>
+          <p:cNvPr id="437" name="PlaceHolder 6"/>
           <p:cNvSpPr>
             <a:spLocks noGrp="1"/>
           </p:cNvSpPr>
@@ -10655,7 +10657,7 @@
       </p:sp>
       <p:sp>
         <p:nvSpPr>
-          <p:cNvPr id="436" name="PlaceHolder 7"/>
+          <p:cNvPr id="438" name="PlaceHolder 7"/>
           <p:cNvSpPr>
             <a:spLocks noGrp="1"/>
           </p:cNvSpPr>
@@ -10721,7 +10723,7 @@
         <p:spPr>
           <a:xfrm>
             <a:off x="0" y="0"/>
-            <a:ext cx="9143280" cy="5142960"/>
+            <a:ext cx="9142920" cy="5142600"/>
           </a:xfrm>
           <a:prstGeom prst="frame">
             <a:avLst>
@@ -10751,9 +10753,9 @@
         <p:grpSpPr>
           <a:xfrm>
             <a:off x="558000" y="0"/>
-            <a:ext cx="1563840" cy="2824200"/>
+            <a:ext cx="1563480" cy="2823840"/>
             <a:chOff x="558000" y="0"/>
-            <a:chExt cx="1563840" cy="2824200"/>
+            <a:chExt cx="1563480" cy="2823840"/>
           </a:xfrm>
         </p:grpSpPr>
         <p:sp>
@@ -10765,7 +10767,7 @@
           <p:spPr>
             <a:xfrm>
               <a:off x="903600" y="2190960"/>
-              <a:ext cx="285480" cy="25200"/>
+              <a:ext cx="285120" cy="24840"/>
             </a:xfrm>
             <a:custGeom>
               <a:avLst/>
@@ -10834,7 +10836,7 @@
           <p:spPr>
             <a:xfrm>
               <a:off x="558000" y="1683000"/>
-              <a:ext cx="1563840" cy="1141200"/>
+              <a:ext cx="1563480" cy="1140840"/>
             </a:xfrm>
             <a:custGeom>
               <a:avLst/>
@@ -11038,7 +11040,7 @@
           <p:spPr>
             <a:xfrm>
               <a:off x="723960" y="2297520"/>
-              <a:ext cx="465480" cy="27000"/>
+              <a:ext cx="465120" cy="26640"/>
             </a:xfrm>
             <a:custGeom>
               <a:avLst/>
@@ -11107,7 +11109,7 @@
           <p:spPr>
             <a:xfrm>
               <a:off x="723960" y="2617560"/>
-              <a:ext cx="465480" cy="32760"/>
+              <a:ext cx="465120" cy="32400"/>
             </a:xfrm>
             <a:custGeom>
               <a:avLst/>
@@ -11176,7 +11178,7 @@
           <p:spPr>
             <a:xfrm>
               <a:off x="723960" y="2404080"/>
-              <a:ext cx="465480" cy="32760"/>
+              <a:ext cx="465120" cy="32400"/>
             </a:xfrm>
             <a:custGeom>
               <a:avLst/>
@@ -11245,7 +11247,7 @@
           <p:spPr>
             <a:xfrm>
               <a:off x="723960" y="2511000"/>
-              <a:ext cx="465480" cy="32760"/>
+              <a:ext cx="465120" cy="32400"/>
             </a:xfrm>
             <a:custGeom>
               <a:avLst/>
@@ -11314,7 +11316,7 @@
           <p:spPr>
             <a:xfrm>
               <a:off x="1302840" y="2190960"/>
-              <a:ext cx="552600" cy="467280"/>
+              <a:ext cx="552240" cy="466920"/>
             </a:xfrm>
             <a:custGeom>
               <a:avLst/>
@@ -11731,7 +11733,7 @@
           <p:spPr>
             <a:xfrm>
               <a:off x="816840" y="0"/>
-              <a:ext cx="884520" cy="2117160"/>
+              <a:ext cx="884160" cy="2116800"/>
             </a:xfrm>
             <a:custGeom>
               <a:avLst/>
@@ -12297,10 +12299,10 @@
         </p:nvGrpSpPr>
         <p:grpSpPr>
           <a:xfrm>
-            <a:off x="6411960" y="439920"/>
-            <a:ext cx="2731320" cy="1042200"/>
-            <a:chOff x="6411960" y="439920"/>
-            <a:chExt cx="2731320" cy="1042200"/>
+            <a:off x="6411960" y="440640"/>
+            <a:ext cx="2730960" cy="1041480"/>
+            <a:chOff x="6411960" y="440640"/>
+            <a:chExt cx="2730960" cy="1041480"/>
           </a:xfrm>
         </p:grpSpPr>
         <p:sp>
@@ -12311,8 +12313,8 @@
           </p:nvSpPr>
           <p:spPr>
             <a:xfrm rot="16200000">
-              <a:off x="6879960" y="1051920"/>
-              <a:ext cx="92160" cy="64440"/>
+              <a:off x="6879960" y="1052280"/>
+              <a:ext cx="91800" cy="64080"/>
             </a:xfrm>
             <a:custGeom>
               <a:avLst/>
@@ -12385,8 +12387,8 @@
           </p:nvSpPr>
           <p:spPr>
             <a:xfrm rot="16200000">
-              <a:off x="6672600" y="838800"/>
-              <a:ext cx="406080" cy="271800"/>
+              <a:off x="6672600" y="839160"/>
+              <a:ext cx="405720" cy="271440"/>
             </a:xfrm>
             <a:custGeom>
               <a:avLst/>
@@ -12516,8 +12518,8 @@
           </p:nvSpPr>
           <p:spPr>
             <a:xfrm rot="16200000">
-              <a:off x="6707160" y="910800"/>
-              <a:ext cx="311400" cy="127800"/>
+              <a:off x="6707160" y="911160"/>
+              <a:ext cx="311040" cy="127440"/>
             </a:xfrm>
             <a:custGeom>
               <a:avLst/>
@@ -12605,8 +12607,8 @@
           </p:nvSpPr>
           <p:spPr>
             <a:xfrm rot="16200000">
-              <a:off x="6879960" y="832680"/>
-              <a:ext cx="92160" cy="64440"/>
+              <a:off x="6879960" y="833040"/>
+              <a:ext cx="91800" cy="64080"/>
             </a:xfrm>
             <a:custGeom>
               <a:avLst/>
@@ -12679,8 +12681,8 @@
           </p:nvSpPr>
           <p:spPr>
             <a:xfrm rot="16200000">
-              <a:off x="7042680" y="807840"/>
-              <a:ext cx="653400" cy="339120"/>
+              <a:off x="7042680" y="808200"/>
+              <a:ext cx="653040" cy="338760"/>
             </a:xfrm>
             <a:custGeom>
               <a:avLst/>
@@ -12823,8 +12825,8 @@
           </p:nvSpPr>
           <p:spPr>
             <a:xfrm rot="16200000">
-              <a:off x="6311880" y="750600"/>
-              <a:ext cx="653400" cy="453600"/>
+              <a:off x="6311880" y="750960"/>
+              <a:ext cx="653040" cy="453240"/>
             </a:xfrm>
             <a:custGeom>
               <a:avLst/>
@@ -12944,8 +12946,8 @@
           </p:nvSpPr>
           <p:spPr>
             <a:xfrm rot="16200000">
-              <a:off x="7293960" y="958320"/>
-              <a:ext cx="271800" cy="32760"/>
+              <a:off x="7293960" y="958680"/>
+              <a:ext cx="271440" cy="32400"/>
             </a:xfrm>
             <a:custGeom>
               <a:avLst/>
@@ -13011,8 +13013,8 @@
           </p:nvSpPr>
           <p:spPr>
             <a:xfrm rot="16200000">
-              <a:off x="6485040" y="937440"/>
-              <a:ext cx="80280" cy="80280"/>
+              <a:off x="6485040" y="937800"/>
+              <a:ext cx="79920" cy="79920"/>
             </a:xfrm>
             <a:custGeom>
               <a:avLst/>
@@ -13094,8 +13096,8 @@
           </p:nvSpPr>
           <p:spPr>
             <a:xfrm rot="16200000">
-              <a:off x="6854400" y="909720"/>
-              <a:ext cx="351000" cy="793440"/>
+              <a:off x="6854400" y="910080"/>
+              <a:ext cx="350640" cy="793080"/>
             </a:xfrm>
             <a:custGeom>
               <a:avLst/>
@@ -13448,8 +13450,8 @@
           </p:nvSpPr>
           <p:spPr>
             <a:xfrm rot="16200000">
-              <a:off x="7532640" y="-347040"/>
-              <a:ext cx="823320" cy="2397600"/>
+              <a:off x="7532640" y="-346320"/>
+              <a:ext cx="822960" cy="2397240"/>
             </a:xfrm>
             <a:custGeom>
               <a:avLst/>
@@ -13689,8 +13691,8 @@
           </p:nvSpPr>
           <p:spPr>
             <a:xfrm rot="16200000">
-              <a:off x="8031960" y="994680"/>
-              <a:ext cx="80280" cy="72360"/>
+              <a:off x="8031960" y="995040"/>
+              <a:ext cx="79920" cy="72000"/>
             </a:xfrm>
             <a:custGeom>
               <a:avLst/>
@@ -13773,10 +13775,10 @@
         </p:nvGrpSpPr>
         <p:grpSpPr>
           <a:xfrm>
-            <a:off x="1080" y="3295440"/>
-            <a:ext cx="2443320" cy="1388880"/>
-            <a:chOff x="1080" y="3295440"/>
-            <a:chExt cx="2443320" cy="1388880"/>
+            <a:off x="1440" y="3295440"/>
+            <a:ext cx="2442960" cy="1388520"/>
+            <a:chOff x="1440" y="3295440"/>
+            <a:chExt cx="2442960" cy="1388520"/>
           </a:xfrm>
         </p:grpSpPr>
         <p:sp>
@@ -13787,8 +13789,8 @@
           </p:nvSpPr>
           <p:spPr>
             <a:xfrm rot="5400000">
-              <a:off x="1937160" y="4431600"/>
-              <a:ext cx="301320" cy="203760"/>
+              <a:off x="1937520" y="4431600"/>
+              <a:ext cx="300960" cy="203400"/>
             </a:xfrm>
             <a:custGeom>
               <a:avLst/>
@@ -13980,8 +13982,8 @@
           </p:nvSpPr>
           <p:spPr>
             <a:xfrm rot="5400000">
-              <a:off x="1860120" y="3421440"/>
-              <a:ext cx="455760" cy="203760"/>
+              <a:off x="1860480" y="3421440"/>
+              <a:ext cx="455400" cy="203400"/>
             </a:xfrm>
             <a:custGeom>
               <a:avLst/>
@@ -14178,8 +14180,8 @@
           </p:nvSpPr>
           <p:spPr>
             <a:xfrm rot="5400000">
-              <a:off x="833400" y="2770560"/>
-              <a:ext cx="778680" cy="2443320"/>
+              <a:off x="833760" y="2770200"/>
+              <a:ext cx="778320" cy="2442960"/>
             </a:xfrm>
             <a:custGeom>
               <a:avLst/>
@@ -14573,10 +14575,10 @@
         </p:nvGrpSpPr>
         <p:grpSpPr>
           <a:xfrm>
-            <a:off x="6870240" y="2412720"/>
-            <a:ext cx="1767960" cy="2730960"/>
-            <a:chOff x="6870240" y="2412720"/>
-            <a:chExt cx="1767960" cy="2730960"/>
+            <a:off x="6870600" y="2413080"/>
+            <a:ext cx="1767600" cy="2730600"/>
+            <a:chOff x="6870600" y="2413080"/>
+            <a:chExt cx="1767600" cy="2730600"/>
           </a:xfrm>
         </p:grpSpPr>
         <p:sp>
@@ -14587,8 +14589,8 @@
           </p:nvSpPr>
           <p:spPr>
             <a:xfrm rot="10800000">
-              <a:off x="7983720" y="3090960"/>
-              <a:ext cx="211320" cy="31680"/>
+              <a:off x="7984080" y="3091320"/>
+              <a:ext cx="210960" cy="31320"/>
             </a:xfrm>
             <a:custGeom>
               <a:avLst/>
@@ -14656,8 +14658,8 @@
           </p:nvSpPr>
           <p:spPr>
             <a:xfrm rot="10800000">
-              <a:off x="7983720" y="2968560"/>
-              <a:ext cx="211320" cy="31680"/>
+              <a:off x="7984080" y="2968920"/>
+              <a:ext cx="210960" cy="31320"/>
             </a:xfrm>
             <a:custGeom>
               <a:avLst/>
@@ -14725,8 +14727,8 @@
           </p:nvSpPr>
           <p:spPr>
             <a:xfrm rot="10800000">
-              <a:off x="7088040" y="2510280"/>
-              <a:ext cx="1338120" cy="1154880"/>
+              <a:off x="7088400" y="2510640"/>
+              <a:ext cx="1337760" cy="1154520"/>
             </a:xfrm>
             <a:custGeom>
               <a:avLst/>
@@ -14854,8 +14856,8 @@
           </p:nvSpPr>
           <p:spPr>
             <a:xfrm rot="10800000">
-              <a:off x="7983720" y="2844720"/>
-              <a:ext cx="211320" cy="31680"/>
+              <a:off x="7984080" y="2845080"/>
+              <a:ext cx="210960" cy="31320"/>
             </a:xfrm>
             <a:custGeom>
               <a:avLst/>
@@ -14923,8 +14925,8 @@
           </p:nvSpPr>
           <p:spPr>
             <a:xfrm rot="10800000">
-              <a:off x="6946560" y="3025800"/>
-              <a:ext cx="115920" cy="115920"/>
+              <a:off x="6946920" y="3026160"/>
+              <a:ext cx="115560" cy="115560"/>
             </a:xfrm>
             <a:custGeom>
               <a:avLst/>
@@ -15006,8 +15008,8 @@
           </p:nvSpPr>
           <p:spPr>
             <a:xfrm rot="10800000">
-              <a:off x="8497440" y="2903760"/>
-              <a:ext cx="31680" cy="360360"/>
+              <a:off x="8497800" y="2904120"/>
+              <a:ext cx="31320" cy="360000"/>
             </a:xfrm>
             <a:custGeom>
               <a:avLst/>
@@ -15075,8 +15077,8 @@
           </p:nvSpPr>
           <p:spPr>
             <a:xfrm rot="10800000">
-              <a:off x="7293960" y="2844360"/>
-              <a:ext cx="534240" cy="530280"/>
+              <a:off x="7294320" y="2844720"/>
+              <a:ext cx="533880" cy="529920"/>
             </a:xfrm>
             <a:custGeom>
               <a:avLst/>
@@ -15236,8 +15238,8 @@
           </p:nvSpPr>
           <p:spPr>
             <a:xfrm rot="10800000">
-              <a:off x="6870240" y="2412720"/>
-              <a:ext cx="1762200" cy="1347840"/>
+              <a:off x="6870600" y="2413080"/>
+              <a:ext cx="1761840" cy="1347480"/>
             </a:xfrm>
             <a:custGeom>
               <a:avLst/>
@@ -15380,8 +15382,8 @@
           </p:nvSpPr>
           <p:spPr>
             <a:xfrm rot="10800000">
-              <a:off x="7718040" y="3406320"/>
-              <a:ext cx="920160" cy="1737360"/>
+              <a:off x="7718400" y="3406680"/>
+              <a:ext cx="919800" cy="1737000"/>
             </a:xfrm>
             <a:custGeom>
               <a:avLst/>
@@ -15783,7 +15785,7 @@
         <p:spPr>
           <a:xfrm>
             <a:off x="457200" y="1203480"/>
-            <a:ext cx="8229240" cy="2982960"/>
+            <a:ext cx="8228880" cy="2982600"/>
           </a:xfrm>
           <a:prstGeom prst="rect">
             <a:avLst/>
@@ -15806,12 +15808,12 @@
               <a:buChar char=""/>
             </a:pPr>
             <a:r>
-              <a:rPr b="0" lang="pt-BR" sz="3200" spc="-1" strike="noStrike">
+              <a:rPr b="0" lang="pt-BR" sz="1800" spc="-1" strike="noStrike">
                 <a:latin typeface="Arial"/>
               </a:rPr>
               <a:t>Clique para editar o formato do texto da estrutura de tópicos</a:t>
             </a:r>
-            <a:endParaRPr b="0" lang="pt-BR" sz="3200" spc="-1" strike="noStrike">
+            <a:endParaRPr b="0" lang="pt-BR" sz="1800" spc="-1" strike="noStrike">
               <a:latin typeface="Arial"/>
             </a:endParaRPr>
           </a:p>
@@ -15828,12 +15830,12 @@
               <a:buChar char=""/>
             </a:pPr>
             <a:r>
-              <a:rPr b="0" lang="pt-BR" sz="2800" spc="-1" strike="noStrike">
+              <a:rPr b="0" lang="pt-BR" sz="1800" spc="-1" strike="noStrike">
                 <a:latin typeface="Arial"/>
               </a:rPr>
               <a:t>2.º nível da estrutura de tópicos</a:t>
             </a:r>
-            <a:endParaRPr b="0" lang="pt-BR" sz="2800" spc="-1" strike="noStrike">
+            <a:endParaRPr b="0" lang="pt-BR" sz="1800" spc="-1" strike="noStrike">
               <a:latin typeface="Arial"/>
             </a:endParaRPr>
           </a:p>
@@ -15850,12 +15852,12 @@
               <a:buChar char=""/>
             </a:pPr>
             <a:r>
-              <a:rPr b="0" lang="pt-BR" sz="2400" spc="-1" strike="noStrike">
+              <a:rPr b="0" lang="pt-BR" sz="1800" spc="-1" strike="noStrike">
                 <a:latin typeface="Arial"/>
               </a:rPr>
               <a:t>3.º nível da estrutura de tópicos</a:t>
             </a:r>
-            <a:endParaRPr b="0" lang="pt-BR" sz="2400" spc="-1" strike="noStrike">
+            <a:endParaRPr b="0" lang="pt-BR" sz="1800" spc="-1" strike="noStrike">
               <a:latin typeface="Arial"/>
             </a:endParaRPr>
           </a:p>
@@ -15872,12 +15874,12 @@
               <a:buChar char=""/>
             </a:pPr>
             <a:r>
-              <a:rPr b="0" lang="pt-BR" sz="2000" spc="-1" strike="noStrike">
+              <a:rPr b="0" lang="pt-BR" sz="1800" spc="-1" strike="noStrike">
                 <a:latin typeface="Arial"/>
               </a:rPr>
               <a:t>4.º nível da estrutura de tópicos</a:t>
             </a:r>
-            <a:endParaRPr b="0" lang="pt-BR" sz="2000" spc="-1" strike="noStrike">
+            <a:endParaRPr b="0" lang="pt-BR" sz="1800" spc="-1" strike="noStrike">
               <a:latin typeface="Arial"/>
             </a:endParaRPr>
           </a:p>
@@ -15894,12 +15896,12 @@
               <a:buChar char=""/>
             </a:pPr>
             <a:r>
-              <a:rPr b="0" lang="pt-BR" sz="2000" spc="-1" strike="noStrike">
+              <a:rPr b="0" lang="pt-BR" sz="1800" spc="-1" strike="noStrike">
                 <a:latin typeface="Arial"/>
               </a:rPr>
               <a:t>5.º nível da estrutura de tópicos</a:t>
             </a:r>
-            <a:endParaRPr b="0" lang="pt-BR" sz="2000" spc="-1" strike="noStrike">
+            <a:endParaRPr b="0" lang="pt-BR" sz="1800" spc="-1" strike="noStrike">
               <a:latin typeface="Arial"/>
             </a:endParaRPr>
           </a:p>
@@ -15916,12 +15918,12 @@
               <a:buChar char=""/>
             </a:pPr>
             <a:r>
-              <a:rPr b="0" lang="pt-BR" sz="2000" spc="-1" strike="noStrike">
+              <a:rPr b="0" lang="pt-BR" sz="1800" spc="-1" strike="noStrike">
                 <a:latin typeface="Arial"/>
               </a:rPr>
               <a:t>6.º nível da estrutura de tópicos</a:t>
             </a:r>
-            <a:endParaRPr b="0" lang="pt-BR" sz="2000" spc="-1" strike="noStrike">
+            <a:endParaRPr b="0" lang="pt-BR" sz="1800" spc="-1" strike="noStrike">
               <a:latin typeface="Arial"/>
             </a:endParaRPr>
           </a:p>
@@ -15938,12 +15940,12 @@
               <a:buChar char=""/>
             </a:pPr>
             <a:r>
-              <a:rPr b="0" lang="pt-BR" sz="2000" spc="-1" strike="noStrike">
+              <a:rPr b="0" lang="pt-BR" sz="1800" spc="-1" strike="noStrike">
                 <a:latin typeface="Arial"/>
               </a:rPr>
               <a:t>7.º nível da estrutura de tópicos</a:t>
             </a:r>
-            <a:endParaRPr b="0" lang="pt-BR" sz="2000" spc="-1" strike="noStrike">
+            <a:endParaRPr b="0" lang="pt-BR" sz="1800" spc="-1" strike="noStrike">
               <a:latin typeface="Arial"/>
             </a:endParaRPr>
           </a:p>
@@ -16002,7 +16004,7 @@
         <p:spPr>
           <a:xfrm>
             <a:off x="0" y="0"/>
-            <a:ext cx="9143280" cy="5142960"/>
+            <a:ext cx="9142920" cy="5142600"/>
           </a:xfrm>
           <a:prstGeom prst="frame">
             <a:avLst>
@@ -16031,10 +16033,10 @@
         </p:nvGrpSpPr>
         <p:grpSpPr>
           <a:xfrm>
-            <a:off x="6991920" y="754920"/>
-            <a:ext cx="2151360" cy="1222920"/>
-            <a:chOff x="6991920" y="754920"/>
-            <a:chExt cx="2151360" cy="1222920"/>
+            <a:off x="6991920" y="755280"/>
+            <a:ext cx="2151000" cy="1222560"/>
+            <a:chOff x="6991920" y="755280"/>
+            <a:chExt cx="2151000" cy="1222560"/>
           </a:xfrm>
         </p:grpSpPr>
         <p:sp>
@@ -16045,8 +16047,8 @@
           </p:nvSpPr>
           <p:spPr>
             <a:xfrm rot="16200000">
-              <a:off x="7172280" y="797760"/>
-              <a:ext cx="265320" cy="179280"/>
+              <a:off x="7172280" y="798120"/>
+              <a:ext cx="264960" cy="178920"/>
             </a:xfrm>
             <a:custGeom>
               <a:avLst/>
@@ -16238,8 +16240,8 @@
           </p:nvSpPr>
           <p:spPr>
             <a:xfrm rot="16200000">
-              <a:off x="7104600" y="1687680"/>
-              <a:ext cx="401040" cy="179280"/>
+              <a:off x="7104600" y="1688040"/>
+              <a:ext cx="400680" cy="178920"/>
             </a:xfrm>
             <a:custGeom>
               <a:avLst/>
@@ -16436,8 +16438,8 @@
           </p:nvSpPr>
           <p:spPr>
             <a:xfrm rot="16200000">
-              <a:off x="7724880" y="288000"/>
-              <a:ext cx="685440" cy="2151360"/>
+              <a:off x="7724880" y="288360"/>
+              <a:ext cx="685080" cy="2151000"/>
             </a:xfrm>
             <a:custGeom>
               <a:avLst/>
@@ -16831,10 +16833,10 @@
         </p:nvGrpSpPr>
         <p:grpSpPr>
           <a:xfrm>
-            <a:off x="0" y="3286440"/>
-            <a:ext cx="2547720" cy="1105920"/>
-            <a:chOff x="0" y="3286440"/>
-            <a:chExt cx="2547720" cy="1105920"/>
+            <a:off x="0" y="3286800"/>
+            <a:ext cx="2547360" cy="1105560"/>
+            <a:chOff x="0" y="3286800"/>
+            <a:chExt cx="2547360" cy="1105560"/>
           </a:xfrm>
         </p:grpSpPr>
         <p:sp>
@@ -16845,8 +16847,8 @@
           </p:nvSpPr>
           <p:spPr>
             <a:xfrm rot="16200000">
-              <a:off x="1878840" y="3811320"/>
-              <a:ext cx="30600" cy="30600"/>
+              <a:off x="1878840" y="3811680"/>
+              <a:ext cx="30240" cy="30240"/>
             </a:xfrm>
             <a:custGeom>
               <a:avLst/>
@@ -16896,8 +16898,8 @@
           </p:nvSpPr>
           <p:spPr>
             <a:xfrm rot="16200000">
-              <a:off x="1879560" y="3285360"/>
-              <a:ext cx="667080" cy="668880"/>
+              <a:off x="1879560" y="3285720"/>
+              <a:ext cx="666720" cy="668520"/>
             </a:xfrm>
             <a:custGeom>
               <a:avLst/>
@@ -17047,8 +17049,8 @@
           </p:nvSpPr>
           <p:spPr>
             <a:xfrm rot="16200000">
-              <a:off x="590760" y="2868480"/>
-              <a:ext cx="933120" cy="2114640"/>
+              <a:off x="590760" y="2868840"/>
+              <a:ext cx="932760" cy="2114280"/>
             </a:xfrm>
             <a:custGeom>
               <a:avLst/>
@@ -17820,7 +17822,7 @@
         <p:spPr>
           <a:xfrm>
             <a:off x="8808120" y="2208240"/>
-            <a:ext cx="335160" cy="726480"/>
+            <a:ext cx="334800" cy="726120"/>
           </a:xfrm>
           <a:prstGeom prst="rect">
             <a:avLst/>
@@ -17848,7 +17850,7 @@
         <p:spPr>
           <a:xfrm>
             <a:off x="0" y="0"/>
-            <a:ext cx="6095160" cy="5142960"/>
+            <a:ext cx="6094800" cy="5142600"/>
           </a:xfrm>
           <a:prstGeom prst="rect">
             <a:avLst/>
@@ -17876,9 +17878,9 @@
         <p:grpSpPr>
           <a:xfrm>
             <a:off x="6489000" y="0"/>
-            <a:ext cx="1882080" cy="2445480"/>
+            <a:ext cx="1881720" cy="2445120"/>
             <a:chOff x="6489000" y="0"/>
-            <a:chExt cx="1882080" cy="2445480"/>
+            <a:chExt cx="1881720" cy="2445120"/>
           </a:xfrm>
         </p:grpSpPr>
         <p:sp>
@@ -17890,7 +17892,7 @@
           <p:spPr>
             <a:xfrm>
               <a:off x="6965280" y="1625760"/>
-              <a:ext cx="26280" cy="26280"/>
+              <a:ext cx="25920" cy="25920"/>
             </a:xfrm>
             <a:custGeom>
               <a:avLst/>
@@ -17941,7 +17943,7 @@
           <p:spPr>
             <a:xfrm>
               <a:off x="6868440" y="1625760"/>
-              <a:ext cx="577080" cy="578520"/>
+              <a:ext cx="576720" cy="578160"/>
             </a:xfrm>
             <a:custGeom>
               <a:avLst/>
@@ -18092,7 +18094,7 @@
           <p:spPr>
             <a:xfrm>
               <a:off x="7960680" y="2092320"/>
-              <a:ext cx="250200" cy="251640"/>
+              <a:ext cx="249840" cy="251280"/>
             </a:xfrm>
             <a:custGeom>
               <a:avLst/>
@@ -18175,7 +18177,7 @@
           <p:spPr>
             <a:xfrm>
               <a:off x="8019360" y="1974960"/>
-              <a:ext cx="250200" cy="251640"/>
+              <a:ext cx="249840" cy="251280"/>
             </a:xfrm>
             <a:custGeom>
               <a:avLst/>
@@ -18279,7 +18281,7 @@
           <p:spPr>
             <a:xfrm>
               <a:off x="7902000" y="1974960"/>
-              <a:ext cx="250200" cy="251640"/>
+              <a:ext cx="249840" cy="251280"/>
             </a:xfrm>
             <a:custGeom>
               <a:avLst/>
@@ -18362,7 +18364,7 @@
           <p:spPr>
             <a:xfrm>
               <a:off x="7579800" y="917640"/>
-              <a:ext cx="577080" cy="578520"/>
+              <a:ext cx="576720" cy="578160"/>
             </a:xfrm>
             <a:custGeom>
               <a:avLst/>
@@ -18478,7 +18480,7 @@
           <p:spPr>
             <a:xfrm>
               <a:off x="7960680" y="928800"/>
-              <a:ext cx="180000" cy="182160"/>
+              <a:ext cx="179640" cy="181800"/>
             </a:xfrm>
             <a:custGeom>
               <a:avLst/>
@@ -18550,7 +18552,7 @@
           <p:spPr>
             <a:xfrm>
               <a:off x="7794000" y="1866960"/>
-              <a:ext cx="577080" cy="578520"/>
+              <a:ext cx="576720" cy="578160"/>
             </a:xfrm>
             <a:custGeom>
               <a:avLst/>
@@ -18666,7 +18668,7 @@
           <p:spPr>
             <a:xfrm>
               <a:off x="8179920" y="1882800"/>
-              <a:ext cx="180000" cy="182160"/>
+              <a:ext cx="179640" cy="181800"/>
             </a:xfrm>
             <a:custGeom>
               <a:avLst/>
@@ -18738,7 +18740,7 @@
           <p:spPr>
             <a:xfrm>
               <a:off x="7660800" y="1298520"/>
-              <a:ext cx="378720" cy="80280"/>
+              <a:ext cx="378360" cy="79920"/>
             </a:xfrm>
             <a:custGeom>
               <a:avLst/>
@@ -18952,7 +18954,7 @@
           <p:spPr>
             <a:xfrm>
               <a:off x="7660800" y="1212840"/>
-              <a:ext cx="401040" cy="63000"/>
+              <a:ext cx="400680" cy="62640"/>
             </a:xfrm>
             <a:custGeom>
               <a:avLst/>
@@ -19106,7 +19108,7 @@
           <p:spPr>
             <a:xfrm>
               <a:off x="7671960" y="1131840"/>
-              <a:ext cx="202320" cy="53280"/>
+              <a:ext cx="201960" cy="52920"/>
             </a:xfrm>
             <a:custGeom>
               <a:avLst/>
@@ -19230,7 +19232,7 @@
           <p:spPr>
             <a:xfrm>
               <a:off x="6489000" y="0"/>
-              <a:ext cx="807120" cy="1829520"/>
+              <a:ext cx="806760" cy="1829160"/>
             </a:xfrm>
             <a:custGeom>
               <a:avLst/>
@@ -19744,9 +19746,9 @@
         <p:grpSpPr>
           <a:xfrm>
             <a:off x="6489000" y="3281400"/>
-            <a:ext cx="2148480" cy="1861560"/>
+            <a:ext cx="2148120" cy="1861200"/>
             <a:chOff x="6489000" y="3281400"/>
-            <a:chExt cx="2148480" cy="1861560"/>
+            <a:chExt cx="2148120" cy="1861200"/>
           </a:xfrm>
         </p:grpSpPr>
         <p:sp>
@@ -19758,7 +19760,7 @@
           <p:spPr>
             <a:xfrm>
               <a:off x="8408160" y="3475080"/>
-              <a:ext cx="229320" cy="155160"/>
+              <a:ext cx="228960" cy="154800"/>
             </a:xfrm>
             <a:custGeom>
               <a:avLst/>
@@ -19951,7 +19953,7 @@
           <p:spPr>
             <a:xfrm>
               <a:off x="7579440" y="3475080"/>
-              <a:ext cx="347040" cy="155160"/>
+              <a:ext cx="346680" cy="154800"/>
             </a:xfrm>
             <a:custGeom>
               <a:avLst/>
@@ -20149,7 +20151,7 @@
           <p:spPr>
             <a:xfrm>
               <a:off x="6489000" y="3759120"/>
-              <a:ext cx="1105560" cy="831240"/>
+              <a:ext cx="1105200" cy="830880"/>
             </a:xfrm>
             <a:custGeom>
               <a:avLst/>
@@ -20375,7 +20377,7 @@
           <p:spPr>
             <a:xfrm>
               <a:off x="6701760" y="4075200"/>
-              <a:ext cx="380160" cy="380160"/>
+              <a:ext cx="379800" cy="379800"/>
             </a:xfrm>
             <a:custGeom>
               <a:avLst/>
@@ -20786,7 +20788,7 @@
           <p:spPr>
             <a:xfrm>
               <a:off x="7162200" y="4086360"/>
-              <a:ext cx="213480" cy="26280"/>
+              <a:ext cx="213120" cy="25920"/>
             </a:xfrm>
             <a:prstGeom prst="rect">
               <a:avLst/>
@@ -20814,7 +20816,7 @@
           <p:spPr>
             <a:xfrm>
               <a:off x="7162200" y="4178160"/>
-              <a:ext cx="213480" cy="26280"/>
+              <a:ext cx="213120" cy="25920"/>
             </a:xfrm>
             <a:prstGeom prst="rect">
               <a:avLst/>
@@ -20842,7 +20844,7 @@
           <p:spPr>
             <a:xfrm>
               <a:off x="7162200" y="4268880"/>
-              <a:ext cx="213480" cy="26280"/>
+              <a:ext cx="213120" cy="25920"/>
             </a:xfrm>
             <a:prstGeom prst="rect">
               <a:avLst/>
@@ -20870,7 +20872,7 @@
           <p:spPr>
             <a:xfrm>
               <a:off x="7162200" y="4361040"/>
-              <a:ext cx="213480" cy="24840"/>
+              <a:ext cx="213120" cy="24480"/>
             </a:xfrm>
             <a:prstGeom prst="rect">
               <a:avLst/>
@@ -20898,7 +20900,7 @@
           <p:spPr>
             <a:xfrm>
               <a:off x="7814520" y="3281400"/>
-              <a:ext cx="592920" cy="1861560"/>
+              <a:ext cx="592560" cy="1861200"/>
             </a:xfrm>
             <a:custGeom>
               <a:avLst/>
@@ -21729,7 +21731,7 @@
         <p:spPr>
           <a:xfrm>
             <a:off x="8808120" y="2208240"/>
-            <a:ext cx="335160" cy="726480"/>
+            <a:ext cx="334800" cy="726120"/>
           </a:xfrm>
           <a:prstGeom prst="rect">
             <a:avLst/>
@@ -21757,7 +21759,7 @@
         <p:spPr>
           <a:xfrm>
             <a:off x="0" y="0"/>
-            <a:ext cx="6095160" cy="5142960"/>
+            <a:ext cx="6094800" cy="5142600"/>
           </a:xfrm>
           <a:prstGeom prst="rect">
             <a:avLst/>
@@ -21785,9 +21787,9 @@
         <p:grpSpPr>
           <a:xfrm>
             <a:off x="6422400" y="0"/>
-            <a:ext cx="1651680" cy="2269440"/>
+            <a:ext cx="1651320" cy="2269080"/>
             <a:chOff x="6422400" y="0"/>
-            <a:chExt cx="1651680" cy="2269440"/>
+            <a:chExt cx="1651320" cy="2269080"/>
           </a:xfrm>
         </p:grpSpPr>
         <p:sp>
@@ -21799,7 +21801,7 @@
           <p:spPr>
             <a:xfrm>
               <a:off x="6699960" y="1760400"/>
-              <a:ext cx="229320" cy="20160"/>
+              <a:ext cx="228960" cy="19800"/>
             </a:xfrm>
             <a:custGeom>
               <a:avLst/>
@@ -21868,7 +21870,7 @@
           <p:spPr>
             <a:xfrm>
               <a:off x="6422400" y="1352520"/>
-              <a:ext cx="1256760" cy="916920"/>
+              <a:ext cx="1256400" cy="916560"/>
             </a:xfrm>
             <a:custGeom>
               <a:avLst/>
@@ -22072,7 +22074,7 @@
           <p:spPr>
             <a:xfrm>
               <a:off x="6555600" y="1846080"/>
-              <a:ext cx="374040" cy="21600"/>
+              <a:ext cx="373680" cy="21240"/>
             </a:xfrm>
             <a:custGeom>
               <a:avLst/>
@@ -22141,7 +22143,7 @@
           <p:spPr>
             <a:xfrm>
               <a:off x="6555600" y="2103480"/>
-              <a:ext cx="374040" cy="26280"/>
+              <a:ext cx="373680" cy="25920"/>
             </a:xfrm>
             <a:custGeom>
               <a:avLst/>
@@ -22210,7 +22212,7 @@
           <p:spPr>
             <a:xfrm>
               <a:off x="6555600" y="1931760"/>
-              <a:ext cx="374040" cy="26280"/>
+              <a:ext cx="373680" cy="25920"/>
             </a:xfrm>
             <a:custGeom>
               <a:avLst/>
@@ -22279,7 +22281,7 @@
           <p:spPr>
             <a:xfrm>
               <a:off x="6555600" y="2017800"/>
-              <a:ext cx="374040" cy="26280"/>
+              <a:ext cx="373680" cy="25920"/>
             </a:xfrm>
             <a:custGeom>
               <a:avLst/>
@@ -22348,7 +22350,7 @@
           <p:spPr>
             <a:xfrm>
               <a:off x="7020720" y="1760400"/>
-              <a:ext cx="443880" cy="375480"/>
+              <a:ext cx="443520" cy="375120"/>
             </a:xfrm>
             <a:custGeom>
               <a:avLst/>
@@ -22765,7 +22767,7 @@
           <p:spPr>
             <a:xfrm>
               <a:off x="7898760" y="1406520"/>
-              <a:ext cx="175320" cy="723240"/>
+              <a:ext cx="174960" cy="722880"/>
             </a:xfrm>
             <a:custGeom>
               <a:avLst/>
@@ -23015,7 +23017,7 @@
           <p:spPr>
             <a:xfrm>
               <a:off x="6630120" y="0"/>
-              <a:ext cx="710640" cy="1701360"/>
+              <a:ext cx="710280" cy="1701000"/>
             </a:xfrm>
             <a:custGeom>
               <a:avLst/>
@@ -23582,9 +23584,9 @@
         <p:grpSpPr>
           <a:xfrm>
             <a:off x="7106040" y="2674800"/>
-            <a:ext cx="1550520" cy="2468160"/>
+            <a:ext cx="1550160" cy="2467800"/>
             <a:chOff x="7106040" y="2674800"/>
-            <a:chExt cx="1550520" cy="2468160"/>
+            <a:chExt cx="1550160" cy="2467800"/>
           </a:xfrm>
         </p:grpSpPr>
         <p:sp>
@@ -23596,7 +23598,7 @@
           <p:spPr>
             <a:xfrm>
               <a:off x="7175880" y="3565440"/>
-              <a:ext cx="15120" cy="32760"/>
+              <a:ext cx="14760" cy="32400"/>
             </a:xfrm>
             <a:custGeom>
               <a:avLst/>
@@ -23665,7 +23667,7 @@
           <p:spPr>
             <a:xfrm>
               <a:off x="7207560" y="3565440"/>
-              <a:ext cx="15120" cy="32760"/>
+              <a:ext cx="14760" cy="32400"/>
             </a:xfrm>
             <a:custGeom>
               <a:avLst/>
@@ -23734,7 +23736,7 @@
           <p:spPr>
             <a:xfrm>
               <a:off x="7106040" y="3529080"/>
-              <a:ext cx="186480" cy="401040"/>
+              <a:ext cx="186120" cy="400680"/>
             </a:xfrm>
             <a:custGeom>
               <a:avLst/>
@@ -23909,7 +23911,7 @@
           <p:spPr>
             <a:xfrm>
               <a:off x="7148880" y="3657600"/>
-              <a:ext cx="101160" cy="26280"/>
+              <a:ext cx="100800" cy="25920"/>
             </a:xfrm>
             <a:custGeom>
               <a:avLst/>
@@ -23978,7 +23980,7 @@
           <p:spPr>
             <a:xfrm>
               <a:off x="7683840" y="3367080"/>
-              <a:ext cx="523080" cy="370800"/>
+              <a:ext cx="522720" cy="370440"/>
             </a:xfrm>
             <a:custGeom>
               <a:avLst/>
@@ -24248,7 +24250,7 @@
           <p:spPr>
             <a:xfrm>
               <a:off x="7496640" y="2674800"/>
-              <a:ext cx="936000" cy="1254960"/>
+              <a:ext cx="935640" cy="1254600"/>
             </a:xfrm>
             <a:custGeom>
               <a:avLst/>
@@ -24452,7 +24454,7 @@
           <p:spPr>
             <a:xfrm>
               <a:off x="7683840" y="2884320"/>
-              <a:ext cx="250200" cy="21600"/>
+              <a:ext cx="249840" cy="21240"/>
             </a:xfrm>
             <a:custGeom>
               <a:avLst/>
@@ -24521,7 +24523,7 @@
           <p:spPr>
             <a:xfrm>
               <a:off x="7683840" y="3056040"/>
-              <a:ext cx="250200" cy="26280"/>
+              <a:ext cx="249840" cy="25920"/>
             </a:xfrm>
             <a:custGeom>
               <a:avLst/>
@@ -24590,7 +24592,7 @@
           <p:spPr>
             <a:xfrm>
               <a:off x="7715880" y="3184560"/>
-              <a:ext cx="480240" cy="300960"/>
+              <a:ext cx="479880" cy="300600"/>
             </a:xfrm>
             <a:custGeom>
               <a:avLst/>
@@ -24870,7 +24872,7 @@
           <p:spPr>
             <a:xfrm>
               <a:off x="7683840" y="2970000"/>
-              <a:ext cx="250200" cy="21600"/>
+              <a:ext cx="249840" cy="21240"/>
             </a:xfrm>
             <a:custGeom>
               <a:avLst/>
@@ -24939,7 +24941,7 @@
           <p:spPr>
             <a:xfrm>
               <a:off x="7945920" y="3598920"/>
-              <a:ext cx="710640" cy="1544040"/>
+              <a:ext cx="710280" cy="1543680"/>
             </a:xfrm>
             <a:custGeom>
               <a:avLst/>
@@ -25394,7 +25396,7 @@
         <p:spPr>
           <a:xfrm>
             <a:off x="457200" y="205200"/>
-            <a:ext cx="8228880" cy="858240"/>
+            <a:ext cx="8229240" cy="858600"/>
           </a:xfrm>
           <a:prstGeom prst="rect">
             <a:avLst/>
@@ -25403,13 +25405,14 @@
         <p:txBody>
           <a:bodyPr lIns="0" rIns="0" tIns="0" bIns="0" anchor="ctr"/>
           <a:p>
+            <a:pPr algn="ctr"/>
             <a:r>
-              <a:rPr b="0" lang="pt-BR" sz="1800" spc="-1" strike="noStrike">
+              <a:rPr b="0" lang="pt-BR" sz="4400" spc="-1" strike="noStrike">
                 <a:latin typeface="Arial"/>
               </a:rPr>
               <a:t>Clique para editar o formato do texto do título</a:t>
             </a:r>
-            <a:endParaRPr b="0" lang="pt-BR" sz="1800" spc="-1" strike="noStrike">
+            <a:endParaRPr b="0" lang="pt-BR" sz="4400" spc="-1" strike="noStrike">
               <a:latin typeface="Arial"/>
             </a:endParaRPr>
           </a:p>
@@ -25428,7 +25431,7 @@
         <p:spPr>
           <a:xfrm>
             <a:off x="457200" y="1203480"/>
-            <a:ext cx="8228880" cy="2982600"/>
+            <a:ext cx="8229240" cy="2982960"/>
           </a:xfrm>
           <a:prstGeom prst="rect">
             <a:avLst/>
@@ -25451,12 +25454,12 @@
               <a:buChar char=""/>
             </a:pPr>
             <a:r>
-              <a:rPr b="0" lang="pt-BR" sz="1800" spc="-1" strike="noStrike">
+              <a:rPr b="0" lang="pt-BR" sz="3200" spc="-1" strike="noStrike">
                 <a:latin typeface="Arial"/>
               </a:rPr>
               <a:t>Clique para editar o formato do texto da estrutura de tópicos</a:t>
             </a:r>
-            <a:endParaRPr b="0" lang="pt-BR" sz="1800" spc="-1" strike="noStrike">
+            <a:endParaRPr b="0" lang="pt-BR" sz="3200" spc="-1" strike="noStrike">
               <a:latin typeface="Arial"/>
             </a:endParaRPr>
           </a:p>
@@ -25473,12 +25476,12 @@
               <a:buChar char=""/>
             </a:pPr>
             <a:r>
-              <a:rPr b="0" lang="pt-BR" sz="1800" spc="-1" strike="noStrike">
+              <a:rPr b="0" lang="pt-BR" sz="2800" spc="-1" strike="noStrike">
                 <a:latin typeface="Arial"/>
               </a:rPr>
               <a:t>2.º nível da estrutura de tópicos</a:t>
             </a:r>
-            <a:endParaRPr b="0" lang="pt-BR" sz="1800" spc="-1" strike="noStrike">
+            <a:endParaRPr b="0" lang="pt-BR" sz="2800" spc="-1" strike="noStrike">
               <a:latin typeface="Arial"/>
             </a:endParaRPr>
           </a:p>
@@ -25495,12 +25498,12 @@
               <a:buChar char=""/>
             </a:pPr>
             <a:r>
-              <a:rPr b="0" lang="pt-BR" sz="1800" spc="-1" strike="noStrike">
+              <a:rPr b="0" lang="pt-BR" sz="2400" spc="-1" strike="noStrike">
                 <a:latin typeface="Arial"/>
               </a:rPr>
               <a:t>3.º nível da estrutura de tópicos</a:t>
             </a:r>
-            <a:endParaRPr b="0" lang="pt-BR" sz="1800" spc="-1" strike="noStrike">
+            <a:endParaRPr b="0" lang="pt-BR" sz="2400" spc="-1" strike="noStrike">
               <a:latin typeface="Arial"/>
             </a:endParaRPr>
           </a:p>
@@ -25517,12 +25520,12 @@
               <a:buChar char=""/>
             </a:pPr>
             <a:r>
-              <a:rPr b="0" lang="pt-BR" sz="1800" spc="-1" strike="noStrike">
+              <a:rPr b="0" lang="pt-BR" sz="2000" spc="-1" strike="noStrike">
                 <a:latin typeface="Arial"/>
               </a:rPr>
               <a:t>4.º nível da estrutura de tópicos</a:t>
             </a:r>
-            <a:endParaRPr b="0" lang="pt-BR" sz="1800" spc="-1" strike="noStrike">
+            <a:endParaRPr b="0" lang="pt-BR" sz="2000" spc="-1" strike="noStrike">
               <a:latin typeface="Arial"/>
             </a:endParaRPr>
           </a:p>
@@ -25539,12 +25542,12 @@
               <a:buChar char=""/>
             </a:pPr>
             <a:r>
-              <a:rPr b="0" lang="pt-BR" sz="1800" spc="-1" strike="noStrike">
+              <a:rPr b="0" lang="pt-BR" sz="2000" spc="-1" strike="noStrike">
                 <a:latin typeface="Arial"/>
               </a:rPr>
               <a:t>5.º nível da estrutura de tópicos</a:t>
             </a:r>
-            <a:endParaRPr b="0" lang="pt-BR" sz="1800" spc="-1" strike="noStrike">
+            <a:endParaRPr b="0" lang="pt-BR" sz="2000" spc="-1" strike="noStrike">
               <a:latin typeface="Arial"/>
             </a:endParaRPr>
           </a:p>
@@ -25561,12 +25564,12 @@
               <a:buChar char=""/>
             </a:pPr>
             <a:r>
-              <a:rPr b="0" lang="pt-BR" sz="1800" spc="-1" strike="noStrike">
+              <a:rPr b="0" lang="pt-BR" sz="2000" spc="-1" strike="noStrike">
                 <a:latin typeface="Arial"/>
               </a:rPr>
               <a:t>6.º nível da estrutura de tópicos</a:t>
             </a:r>
-            <a:endParaRPr b="0" lang="pt-BR" sz="1800" spc="-1" strike="noStrike">
+            <a:endParaRPr b="0" lang="pt-BR" sz="2000" spc="-1" strike="noStrike">
               <a:latin typeface="Arial"/>
             </a:endParaRPr>
           </a:p>
@@ -25583,12 +25586,12 @@
               <a:buChar char=""/>
             </a:pPr>
             <a:r>
-              <a:rPr b="0" lang="pt-BR" sz="1800" spc="-1" strike="noStrike">
+              <a:rPr b="0" lang="pt-BR" sz="2000" spc="-1" strike="noStrike">
                 <a:latin typeface="Arial"/>
               </a:rPr>
               <a:t>7.º nível da estrutura de tópicos</a:t>
             </a:r>
-            <a:endParaRPr b="0" lang="pt-BR" sz="1800" spc="-1" strike="noStrike">
+            <a:endParaRPr b="0" lang="pt-BR" sz="2000" spc="-1" strike="noStrike">
               <a:latin typeface="Arial"/>
             </a:endParaRPr>
           </a:p>
@@ -25647,7 +25650,7 @@
         <p:spPr>
           <a:xfrm>
             <a:off x="0" y="0"/>
-            <a:ext cx="9143280" cy="5142960"/>
+            <a:ext cx="9142920" cy="5142600"/>
           </a:xfrm>
           <a:prstGeom prst="frame">
             <a:avLst>
@@ -25676,8 +25679,8 @@
         </p:nvSpPr>
         <p:spPr>
           <a:xfrm rot="16200000">
-            <a:off x="4403880" y="4520880"/>
-            <a:ext cx="335160" cy="910440"/>
+            <a:off x="4403880" y="4521240"/>
+            <a:ext cx="334800" cy="910080"/>
           </a:xfrm>
           <a:prstGeom prst="rect">
             <a:avLst/>
@@ -25723,7 +25726,283 @@
               <a:rPr b="0" lang="pt-BR" sz="4400" spc="-1" strike="noStrike">
                 <a:latin typeface="Arial"/>
               </a:rPr>
-              <a:t>Clique para editar o formato do texto do título</a:t>
+              <a:t>C</a:t>
+            </a:r>
+            <a:r>
+              <a:rPr b="0" lang="pt-BR" sz="4400" spc="-1" strike="noStrike">
+                <a:latin typeface="Arial"/>
+              </a:rPr>
+              <a:t>l</a:t>
+            </a:r>
+            <a:r>
+              <a:rPr b="0" lang="pt-BR" sz="4400" spc="-1" strike="noStrike">
+                <a:latin typeface="Arial"/>
+              </a:rPr>
+              <a:t>i</a:t>
+            </a:r>
+            <a:r>
+              <a:rPr b="0" lang="pt-BR" sz="4400" spc="-1" strike="noStrike">
+                <a:latin typeface="Arial"/>
+              </a:rPr>
+              <a:t>q</a:t>
+            </a:r>
+            <a:r>
+              <a:rPr b="0" lang="pt-BR" sz="4400" spc="-1" strike="noStrike">
+                <a:latin typeface="Arial"/>
+              </a:rPr>
+              <a:t>u</a:t>
+            </a:r>
+            <a:r>
+              <a:rPr b="0" lang="pt-BR" sz="4400" spc="-1" strike="noStrike">
+                <a:latin typeface="Arial"/>
+              </a:rPr>
+              <a:t>e</a:t>
+            </a:r>
+            <a:r>
+              <a:rPr b="0" lang="pt-BR" sz="4400" spc="-1" strike="noStrike">
+                <a:latin typeface="Arial"/>
+              </a:rPr>
+              <a:t> </a:t>
+            </a:r>
+            <a:r>
+              <a:rPr b="0" lang="pt-BR" sz="4400" spc="-1" strike="noStrike">
+                <a:latin typeface="Arial"/>
+              </a:rPr>
+              <a:t>p</a:t>
+            </a:r>
+            <a:r>
+              <a:rPr b="0" lang="pt-BR" sz="4400" spc="-1" strike="noStrike">
+                <a:latin typeface="Arial"/>
+              </a:rPr>
+              <a:t>a</a:t>
+            </a:r>
+            <a:r>
+              <a:rPr b="0" lang="pt-BR" sz="4400" spc="-1" strike="noStrike">
+                <a:latin typeface="Arial"/>
+              </a:rPr>
+              <a:t>r</a:t>
+            </a:r>
+            <a:r>
+              <a:rPr b="0" lang="pt-BR" sz="4400" spc="-1" strike="noStrike">
+                <a:latin typeface="Arial"/>
+              </a:rPr>
+              <a:t>a</a:t>
+            </a:r>
+            <a:r>
+              <a:rPr b="0" lang="pt-BR" sz="4400" spc="-1" strike="noStrike">
+                <a:latin typeface="Arial"/>
+              </a:rPr>
+              <a:t> </a:t>
+            </a:r>
+            <a:r>
+              <a:rPr b="0" lang="pt-BR" sz="4400" spc="-1" strike="noStrike">
+                <a:latin typeface="Arial"/>
+              </a:rPr>
+              <a:t>e</a:t>
+            </a:r>
+            <a:r>
+              <a:rPr b="0" lang="pt-BR" sz="4400" spc="-1" strike="noStrike">
+                <a:latin typeface="Arial"/>
+              </a:rPr>
+              <a:t>d</a:t>
+            </a:r>
+            <a:r>
+              <a:rPr b="0" lang="pt-BR" sz="4400" spc="-1" strike="noStrike">
+                <a:latin typeface="Arial"/>
+              </a:rPr>
+              <a:t>i</a:t>
+            </a:r>
+            <a:r>
+              <a:rPr b="0" lang="pt-BR" sz="4400" spc="-1" strike="noStrike">
+                <a:latin typeface="Arial"/>
+              </a:rPr>
+              <a:t>t</a:t>
+            </a:r>
+            <a:r>
+              <a:rPr b="0" lang="pt-BR" sz="4400" spc="-1" strike="noStrike">
+                <a:latin typeface="Arial"/>
+              </a:rPr>
+              <a:t>a</a:t>
+            </a:r>
+            <a:r>
+              <a:rPr b="0" lang="pt-BR" sz="4400" spc="-1" strike="noStrike">
+                <a:latin typeface="Arial"/>
+              </a:rPr>
+              <a:t>r</a:t>
+            </a:r>
+            <a:r>
+              <a:rPr b="0" lang="pt-BR" sz="4400" spc="-1" strike="noStrike">
+                <a:latin typeface="Arial"/>
+              </a:rPr>
+              <a:t> </a:t>
+            </a:r>
+            <a:r>
+              <a:rPr b="0" lang="pt-BR" sz="4400" spc="-1" strike="noStrike">
+                <a:latin typeface="Arial"/>
+              </a:rPr>
+              <a:t>o</a:t>
+            </a:r>
+            <a:r>
+              <a:rPr b="0" lang="pt-BR" sz="4400" spc="-1" strike="noStrike">
+                <a:latin typeface="Arial"/>
+              </a:rPr>
+              <a:t> </a:t>
+            </a:r>
+            <a:r>
+              <a:rPr b="0" lang="pt-BR" sz="4400" spc="-1" strike="noStrike">
+                <a:latin typeface="Arial"/>
+              </a:rPr>
+              <a:t>f</a:t>
+            </a:r>
+            <a:r>
+              <a:rPr b="0" lang="pt-BR" sz="4400" spc="-1" strike="noStrike">
+                <a:latin typeface="Arial"/>
+              </a:rPr>
+              <a:t>o</a:t>
+            </a:r>
+            <a:r>
+              <a:rPr b="0" lang="pt-BR" sz="4400" spc="-1" strike="noStrike">
+                <a:latin typeface="Arial"/>
+              </a:rPr>
+              <a:t>r</a:t>
+            </a:r>
+            <a:r>
+              <a:rPr b="0" lang="pt-BR" sz="4400" spc="-1" strike="noStrike">
+                <a:latin typeface="Arial"/>
+              </a:rPr>
+              <a:t>m</a:t>
+            </a:r>
+            <a:r>
+              <a:rPr b="0" lang="pt-BR" sz="4400" spc="-1" strike="noStrike">
+                <a:latin typeface="Arial"/>
+              </a:rPr>
+              <a:t>a</a:t>
+            </a:r>
+            <a:r>
+              <a:rPr b="0" lang="pt-BR" sz="4400" spc="-1" strike="noStrike">
+                <a:latin typeface="Arial"/>
+              </a:rPr>
+              <a:t>t</a:t>
+            </a:r>
+            <a:r>
+              <a:rPr b="0" lang="pt-BR" sz="4400" spc="-1" strike="noStrike">
+                <a:latin typeface="Arial"/>
+              </a:rPr>
+              <a:t>o</a:t>
+            </a:r>
+            <a:r>
+              <a:rPr b="0" lang="pt-BR" sz="4400" spc="-1" strike="noStrike">
+                <a:latin typeface="Arial"/>
+              </a:rPr>
+              <a:t> </a:t>
+            </a:r>
+            <a:r>
+              <a:rPr b="0" lang="pt-BR" sz="4400" spc="-1" strike="noStrike">
+                <a:latin typeface="Arial"/>
+              </a:rPr>
+              <a:t>d</a:t>
+            </a:r>
+            <a:r>
+              <a:rPr b="0" lang="pt-BR" sz="4400" spc="-1" strike="noStrike">
+                <a:latin typeface="Arial"/>
+              </a:rPr>
+              <a:t>o</a:t>
+            </a:r>
+            <a:r>
+              <a:rPr b="0" lang="pt-BR" sz="4400" spc="-1" strike="noStrike">
+                <a:latin typeface="Arial"/>
+              </a:rPr>
+              <a:t> </a:t>
+            </a:r>
+            <a:r>
+              <a:rPr b="0" lang="pt-BR" sz="4400" spc="-1" strike="noStrike">
+                <a:latin typeface="Arial"/>
+              </a:rPr>
+              <a:t>t</a:t>
+            </a:r>
+            <a:r>
+              <a:rPr b="0" lang="pt-BR" sz="4400" spc="-1" strike="noStrike">
+                <a:latin typeface="Arial"/>
+              </a:rPr>
+              <a:t>e</a:t>
+            </a:r>
+            <a:r>
+              <a:rPr b="0" lang="pt-BR" sz="4400" spc="-1" strike="noStrike">
+                <a:latin typeface="Arial"/>
+              </a:rPr>
+              <a:t>x</a:t>
+            </a:r>
+            <a:r>
+              <a:rPr b="0" lang="pt-BR" sz="4400" spc="-1" strike="noStrike">
+                <a:latin typeface="Arial"/>
+              </a:rPr>
+              <a:t>t</a:t>
+            </a:r>
+            <a:r>
+              <a:rPr b="0" lang="pt-BR" sz="4400" spc="-1" strike="noStrike">
+                <a:latin typeface="Arial"/>
+              </a:rPr>
+              <a:t>o</a:t>
+            </a:r>
+            <a:r>
+              <a:rPr b="0" lang="pt-BR" sz="4400" spc="-1" strike="noStrike">
+                <a:latin typeface="Arial"/>
+              </a:rPr>
+              <a:t> </a:t>
+            </a:r>
+            <a:r>
+              <a:rPr b="0" lang="pt-BR" sz="4400" spc="-1" strike="noStrike">
+                <a:latin typeface="Arial"/>
+              </a:rPr>
+              <a:t>d</a:t>
+            </a:r>
+            <a:r>
+              <a:rPr b="0" lang="pt-BR" sz="4400" spc="-1" strike="noStrike">
+                <a:latin typeface="Arial"/>
+              </a:rPr>
+              <a:t>o</a:t>
+            </a:r>
+            <a:r>
+              <a:rPr b="0" lang="pt-BR" sz="4400" spc="-1" strike="noStrike">
+                <a:latin typeface="Arial"/>
+              </a:rPr>
+              <a:t> </a:t>
+            </a:r>
+            <a:r>
+              <a:rPr b="0" lang="pt-BR" sz="4400" spc="-1" strike="noStrike">
+                <a:latin typeface="Arial"/>
+              </a:rPr>
+              <a:t>t</a:t>
+            </a:r>
+            <a:r>
+              <a:rPr b="0" lang="pt-BR" sz="4400" spc="-1" strike="noStrike">
+                <a:latin typeface="Arial"/>
+              </a:rPr>
+              <a:t>í</a:t>
+            </a:r>
+            <a:r>
+              <a:rPr b="0" lang="pt-BR" sz="4400" spc="-1" strike="noStrike">
+                <a:latin typeface="Arial"/>
+              </a:rPr>
+              <a:t>t</a:t>
+            </a:r>
+            <a:r>
+              <a:rPr b="0" lang="pt-BR" sz="4400" spc="-1" strike="noStrike">
+                <a:latin typeface="Arial"/>
+              </a:rPr>
+              <a:t>u</a:t>
+            </a:r>
+            <a:r>
+              <a:rPr b="0" lang="pt-BR" sz="4400" spc="-1" strike="noStrike">
+                <a:latin typeface="Arial"/>
+              </a:rPr>
+              <a:t>l</a:t>
+            </a:r>
+            <a:r>
+              <a:rPr b="0" lang="pt-BR" sz="4400" spc="-1" strike="noStrike">
+                <a:latin typeface="Arial"/>
+              </a:rPr>
+              <a:t>o</a:t>
             </a:r>
             <a:endParaRPr b="0" lang="pt-BR" sz="4400" spc="-1" strike="noStrike">
               <a:latin typeface="Arial"/>
@@ -25963,7 +26242,7 @@
         <p:spPr>
           <a:xfrm>
             <a:off x="8808120" y="2208240"/>
-            <a:ext cx="335160" cy="726480"/>
+            <a:ext cx="334800" cy="726120"/>
           </a:xfrm>
           <a:prstGeom prst="rect">
             <a:avLst/>
@@ -25991,7 +26270,7 @@
         <p:spPr>
           <a:xfrm>
             <a:off x="0" y="0"/>
-            <a:ext cx="6095160" cy="5142960"/>
+            <a:ext cx="6094800" cy="5142600"/>
           </a:xfrm>
           <a:prstGeom prst="rect">
             <a:avLst/>
@@ -26019,9 +26298,9 @@
         <p:grpSpPr>
           <a:xfrm>
             <a:off x="6707880" y="2948040"/>
-            <a:ext cx="1731240" cy="2194560"/>
+            <a:ext cx="1730880" cy="2194200"/>
             <a:chOff x="6707880" y="2948040"/>
-            <a:chExt cx="1731240" cy="2194560"/>
+            <a:chExt cx="1730880" cy="2194200"/>
           </a:xfrm>
         </p:grpSpPr>
         <p:sp>
@@ -26033,7 +26312,7 @@
           <p:spPr>
             <a:xfrm>
               <a:off x="7884360" y="3335400"/>
-              <a:ext cx="73800" cy="51840"/>
+              <a:ext cx="73440" cy="51480"/>
             </a:xfrm>
             <a:custGeom>
               <a:avLst/>
@@ -26107,7 +26386,7 @@
           <p:spPr>
             <a:xfrm>
               <a:off x="7846200" y="3211560"/>
-              <a:ext cx="326160" cy="218160"/>
+              <a:ext cx="325800" cy="217800"/>
             </a:xfrm>
             <a:custGeom>
               <a:avLst/>
@@ -26238,7 +26517,7 @@
           <p:spPr>
             <a:xfrm>
               <a:off x="7884360" y="3259080"/>
-              <a:ext cx="250200" cy="102600"/>
+              <a:ext cx="249840" cy="102240"/>
             </a:xfrm>
             <a:custGeom>
               <a:avLst/>
@@ -26327,7 +26606,7 @@
           <p:spPr>
             <a:xfrm>
               <a:off x="8060400" y="3335400"/>
-              <a:ext cx="73800" cy="51840"/>
+              <a:ext cx="73440" cy="51480"/>
             </a:xfrm>
             <a:custGeom>
               <a:avLst/>
@@ -26401,7 +26680,7 @@
           <p:spPr>
             <a:xfrm>
               <a:off x="7744680" y="3581280"/>
-              <a:ext cx="524880" cy="272160"/>
+              <a:ext cx="524520" cy="271800"/>
             </a:xfrm>
             <a:custGeom>
               <a:avLst/>
@@ -26545,7 +26824,7 @@
           <p:spPr>
             <a:xfrm>
               <a:off x="7744680" y="2948040"/>
-              <a:ext cx="524880" cy="364320"/>
+              <a:ext cx="524520" cy="363960"/>
             </a:xfrm>
             <a:custGeom>
               <a:avLst/>
@@ -26666,7 +26945,7 @@
           <p:spPr>
             <a:xfrm>
               <a:off x="7900200" y="3753000"/>
-              <a:ext cx="218160" cy="26280"/>
+              <a:ext cx="217800" cy="25920"/>
             </a:xfrm>
             <a:custGeom>
               <a:avLst/>
@@ -26733,7 +27012,7 @@
           <p:spPr>
             <a:xfrm>
               <a:off x="7974720" y="3006720"/>
-              <a:ext cx="64440" cy="64440"/>
+              <a:ext cx="64080" cy="64080"/>
             </a:xfrm>
             <a:custGeom>
               <a:avLst/>
@@ -26816,7 +27095,7 @@
           <p:spPr>
             <a:xfrm>
               <a:off x="6707880" y="4091040"/>
-              <a:ext cx="565920" cy="680400"/>
+              <a:ext cx="565560" cy="680040"/>
             </a:xfrm>
             <a:custGeom>
               <a:avLst/>
@@ -27153,7 +27432,7 @@
           <p:spPr>
             <a:xfrm>
               <a:off x="6809400" y="4273560"/>
-              <a:ext cx="100800" cy="84960"/>
+              <a:ext cx="100440" cy="84600"/>
             </a:xfrm>
             <a:custGeom>
               <a:avLst/>
@@ -27240,7 +27519,7 @@
           <p:spPr>
             <a:xfrm>
               <a:off x="6809400" y="4386240"/>
-              <a:ext cx="100800" cy="84960"/>
+              <a:ext cx="100440" cy="84600"/>
             </a:xfrm>
             <a:custGeom>
               <a:avLst/>
@@ -27327,7 +27606,7 @@
           <p:spPr>
             <a:xfrm>
               <a:off x="6938280" y="4295880"/>
-              <a:ext cx="245160" cy="51840"/>
+              <a:ext cx="244800" cy="51480"/>
             </a:xfrm>
             <a:custGeom>
               <a:avLst/>
@@ -27496,7 +27775,7 @@
           <p:spPr>
             <a:xfrm>
               <a:off x="6927120" y="4397400"/>
-              <a:ext cx="272160" cy="63000"/>
+              <a:ext cx="271800" cy="62640"/>
             </a:xfrm>
             <a:custGeom>
               <a:avLst/>
@@ -27685,7 +27964,7 @@
           <p:spPr>
             <a:xfrm>
               <a:off x="6798600" y="4541760"/>
-              <a:ext cx="405720" cy="91440"/>
+              <a:ext cx="405360" cy="91080"/>
             </a:xfrm>
             <a:custGeom>
               <a:avLst/>
@@ -27919,7 +28198,7 @@
           <p:spPr>
             <a:xfrm>
               <a:off x="7371360" y="4118040"/>
-              <a:ext cx="164160" cy="610560"/>
+              <a:ext cx="163800" cy="610200"/>
             </a:xfrm>
             <a:custGeom>
               <a:avLst/>
@@ -28119,7 +28398,7 @@
           <p:spPr>
             <a:xfrm>
               <a:off x="7601760" y="3125880"/>
-              <a:ext cx="281880" cy="637560"/>
+              <a:ext cx="281520" cy="637200"/>
             </a:xfrm>
             <a:custGeom>
               <a:avLst/>
@@ -28473,7 +28752,7 @@
           <p:spPr>
             <a:xfrm>
               <a:off x="7777800" y="3216240"/>
-              <a:ext cx="661320" cy="1926360"/>
+              <a:ext cx="660960" cy="1926000"/>
             </a:xfrm>
             <a:custGeom>
               <a:avLst/>
@@ -28714,7 +28993,7 @@
           <p:spPr>
             <a:xfrm>
               <a:off x="7931880" y="4253040"/>
-              <a:ext cx="64440" cy="57960"/>
+              <a:ext cx="64080" cy="57600"/>
             </a:xfrm>
             <a:custGeom>
               <a:avLst/>
@@ -28797,10 +29076,10 @@
         </p:nvGrpSpPr>
         <p:grpSpPr>
           <a:xfrm>
-            <a:off x="6519600" y="720"/>
-            <a:ext cx="1550520" cy="2467800"/>
-            <a:chOff x="6519600" y="720"/>
-            <a:chExt cx="1550520" cy="2467800"/>
+            <a:off x="6519960" y="1080"/>
+            <a:ext cx="1550160" cy="2467440"/>
+            <a:chOff x="6519960" y="1080"/>
+            <a:chExt cx="1550160" cy="2467440"/>
           </a:xfrm>
         </p:grpSpPr>
         <p:sp>
@@ -28811,8 +29090,8 @@
           </p:nvSpPr>
           <p:spPr>
             <a:xfrm rot="10800000">
-              <a:off x="7985160" y="1545120"/>
-              <a:ext cx="15120" cy="32760"/>
+              <a:off x="7985520" y="1545480"/>
+              <a:ext cx="14760" cy="32400"/>
             </a:xfrm>
             <a:custGeom>
               <a:avLst/>
@@ -28880,8 +29159,8 @@
           </p:nvSpPr>
           <p:spPr>
             <a:xfrm rot="10800000">
-              <a:off x="7953120" y="1545120"/>
-              <a:ext cx="15120" cy="32760"/>
+              <a:off x="7953480" y="1545480"/>
+              <a:ext cx="14760" cy="32400"/>
             </a:xfrm>
             <a:custGeom>
               <a:avLst/>
@@ -28949,8 +29228,8 @@
           </p:nvSpPr>
           <p:spPr>
             <a:xfrm rot="10800000">
-              <a:off x="7883640" y="1213560"/>
-              <a:ext cx="186480" cy="401040"/>
+              <a:off x="7884000" y="1213920"/>
+              <a:ext cx="186120" cy="400680"/>
             </a:xfrm>
             <a:custGeom>
               <a:avLst/>
@@ -29124,8 +29403,8 @@
           </p:nvSpPr>
           <p:spPr>
             <a:xfrm rot="10800000">
-              <a:off x="7926120" y="1459800"/>
-              <a:ext cx="101160" cy="26280"/>
+              <a:off x="7926480" y="1460160"/>
+              <a:ext cx="100800" cy="25920"/>
             </a:xfrm>
             <a:custGeom>
               <a:avLst/>
@@ -29193,8 +29472,8 @@
           </p:nvSpPr>
           <p:spPr>
             <a:xfrm rot="10800000">
-              <a:off x="6968880" y="1405800"/>
-              <a:ext cx="523080" cy="370800"/>
+              <a:off x="6969240" y="1406160"/>
+              <a:ext cx="522720" cy="370440"/>
             </a:xfrm>
             <a:custGeom>
               <a:avLst/>
@@ -29463,8 +29742,8 @@
           </p:nvSpPr>
           <p:spPr>
             <a:xfrm rot="10800000">
-              <a:off x="6743520" y="1213560"/>
-              <a:ext cx="936000" cy="1254960"/>
+              <a:off x="6743880" y="1213920"/>
+              <a:ext cx="935640" cy="1254600"/>
             </a:xfrm>
             <a:custGeom>
               <a:avLst/>
@@ -29667,8 +29946,8 @@
           </p:nvSpPr>
           <p:spPr>
             <a:xfrm rot="10800000">
-              <a:off x="7241760" y="2237400"/>
-              <a:ext cx="250200" cy="21600"/>
+              <a:off x="7242120" y="2237760"/>
+              <a:ext cx="249840" cy="21240"/>
             </a:xfrm>
             <a:custGeom>
               <a:avLst/>
@@ -29736,8 +30015,8 @@
           </p:nvSpPr>
           <p:spPr>
             <a:xfrm rot="10800000">
-              <a:off x="7241760" y="2061360"/>
-              <a:ext cx="250200" cy="26280"/>
+              <a:off x="7242120" y="2061720"/>
+              <a:ext cx="249840" cy="25920"/>
             </a:xfrm>
             <a:custGeom>
               <a:avLst/>
@@ -29805,8 +30084,8 @@
           </p:nvSpPr>
           <p:spPr>
             <a:xfrm rot="10800000">
-              <a:off x="6980040" y="1658160"/>
-              <a:ext cx="480240" cy="300960"/>
+              <a:off x="6980400" y="1658520"/>
+              <a:ext cx="479880" cy="300600"/>
             </a:xfrm>
             <a:custGeom>
               <a:avLst/>
@@ -30085,8 +30364,8 @@
           </p:nvSpPr>
           <p:spPr>
             <a:xfrm rot="10800000">
-              <a:off x="7241760" y="2151720"/>
-              <a:ext cx="250200" cy="21600"/>
+              <a:off x="7242120" y="2152080"/>
+              <a:ext cx="249840" cy="21240"/>
             </a:xfrm>
             <a:custGeom>
               <a:avLst/>
@@ -30154,8 +30433,8 @@
           </p:nvSpPr>
           <p:spPr>
             <a:xfrm rot="10800000">
-              <a:off x="6519600" y="720"/>
-              <a:ext cx="710640" cy="1544040"/>
+              <a:off x="6519960" y="1080"/>
+              <a:ext cx="710280" cy="1543680"/>
             </a:xfrm>
             <a:custGeom>
               <a:avLst/>
@@ -30863,7 +31142,7 @@
         <p:spPr>
           <a:xfrm>
             <a:off x="8808120" y="2208240"/>
-            <a:ext cx="335160" cy="726480"/>
+            <a:ext cx="334800" cy="726120"/>
           </a:xfrm>
           <a:prstGeom prst="rect">
             <a:avLst/>
@@ -30889,9 +31168,9 @@
           <p:nvPr/>
         </p:nvSpPr>
         <p:spPr>
-          <a:xfrm>
-            <a:off x="0" y="0"/>
-            <a:ext cx="4565880" cy="5142960"/>
+          <a:xfrm flipH="1">
+            <a:off x="-720" y="0"/>
+            <a:ext cx="3047040" cy="5142600"/>
           </a:xfrm>
           <a:prstGeom prst="rect">
             <a:avLst/>
@@ -31177,7 +31456,7 @@
         <p:spPr>
           <a:xfrm>
             <a:off x="8808120" y="2208240"/>
-            <a:ext cx="335160" cy="726480"/>
+            <a:ext cx="334800" cy="726120"/>
           </a:xfrm>
           <a:prstGeom prst="rect">
             <a:avLst/>
@@ -31203,9 +31482,9 @@
           <p:nvPr/>
         </p:nvSpPr>
         <p:spPr>
-          <a:xfrm flipH="1">
-            <a:off x="-720" y="0"/>
-            <a:ext cx="3047400" cy="5142960"/>
+          <a:xfrm>
+            <a:off x="0" y="0"/>
+            <a:ext cx="4565520" cy="5142600"/>
           </a:xfrm>
           <a:prstGeom prst="rect">
             <a:avLst/>
@@ -31223,6 +31502,220 @@
           <a:effectRef idx="0"/>
           <a:fontRef idx="minor"/>
         </p:style>
+      </p:sp>
+      <p:sp>
+        <p:nvSpPr>
+          <p:cNvPr id="401" name="PlaceHolder 3"/>
+          <p:cNvSpPr>
+            <a:spLocks noGrp="1"/>
+          </p:cNvSpPr>
+          <p:nvPr>
+            <p:ph type="title"/>
+          </p:nvPr>
+        </p:nvSpPr>
+        <p:spPr>
+          <a:xfrm>
+            <a:off x="457200" y="205200"/>
+            <a:ext cx="8229240" cy="858600"/>
+          </a:xfrm>
+          <a:prstGeom prst="rect">
+            <a:avLst/>
+          </a:prstGeom>
+        </p:spPr>
+        <p:txBody>
+          <a:bodyPr lIns="0" rIns="0" tIns="0" bIns="0" anchor="ctr"/>
+          <a:p>
+            <a:pPr algn="ctr"/>
+            <a:r>
+              <a:rPr b="0" lang="pt-BR" sz="4400" spc="-1" strike="noStrike">
+                <a:latin typeface="Arial"/>
+              </a:rPr>
+              <a:t>Clique para editar o formato do texto do título</a:t>
+            </a:r>
+            <a:endParaRPr b="0" lang="pt-BR" sz="4400" spc="-1" strike="noStrike">
+              <a:latin typeface="Arial"/>
+            </a:endParaRPr>
+          </a:p>
+        </p:txBody>
+      </p:sp>
+      <p:sp>
+        <p:nvSpPr>
+          <p:cNvPr id="402" name="PlaceHolder 4"/>
+          <p:cNvSpPr>
+            <a:spLocks noGrp="1"/>
+          </p:cNvSpPr>
+          <p:nvPr>
+            <p:ph type="body"/>
+          </p:nvPr>
+        </p:nvSpPr>
+        <p:spPr>
+          <a:xfrm>
+            <a:off x="457200" y="1203480"/>
+            <a:ext cx="8229240" cy="2982960"/>
+          </a:xfrm>
+          <a:prstGeom prst="rect">
+            <a:avLst/>
+          </a:prstGeom>
+        </p:spPr>
+        <p:txBody>
+          <a:bodyPr lIns="0" rIns="0" tIns="0" bIns="0">
+            <a:normAutofit/>
+          </a:bodyPr>
+          <a:p>
+            <a:pPr marL="432000" indent="-324000">
+              <a:spcBef>
+                <a:spcPts val="1417"/>
+              </a:spcBef>
+              <a:buClr>
+                <a:srgbClr val="000000"/>
+              </a:buClr>
+              <a:buSzPct val="45000"/>
+              <a:buFont typeface="Wingdings" charset="2"/>
+              <a:buChar char=""/>
+            </a:pPr>
+            <a:r>
+              <a:rPr b="0" lang="pt-BR" sz="3200" spc="-1" strike="noStrike">
+                <a:latin typeface="Arial"/>
+              </a:rPr>
+              <a:t>Clique para editar o formato do texto da estrutura de tópicos</a:t>
+            </a:r>
+            <a:endParaRPr b="0" lang="pt-BR" sz="3200" spc="-1" strike="noStrike">
+              <a:latin typeface="Arial"/>
+            </a:endParaRPr>
+          </a:p>
+          <a:p>
+            <a:pPr lvl="1" marL="864000" indent="-324000">
+              <a:spcBef>
+                <a:spcPts val="1134"/>
+              </a:spcBef>
+              <a:buClr>
+                <a:srgbClr val="000000"/>
+              </a:buClr>
+              <a:buSzPct val="75000"/>
+              <a:buFont typeface="Symbol" charset="2"/>
+              <a:buChar char=""/>
+            </a:pPr>
+            <a:r>
+              <a:rPr b="0" lang="pt-BR" sz="2800" spc="-1" strike="noStrike">
+                <a:latin typeface="Arial"/>
+              </a:rPr>
+              <a:t>2.º nível da estrutura de tópicos</a:t>
+            </a:r>
+            <a:endParaRPr b="0" lang="pt-BR" sz="2800" spc="-1" strike="noStrike">
+              <a:latin typeface="Arial"/>
+            </a:endParaRPr>
+          </a:p>
+          <a:p>
+            <a:pPr lvl="2" marL="1296000" indent="-288000">
+              <a:spcBef>
+                <a:spcPts val="850"/>
+              </a:spcBef>
+              <a:buClr>
+                <a:srgbClr val="000000"/>
+              </a:buClr>
+              <a:buSzPct val="45000"/>
+              <a:buFont typeface="Wingdings" charset="2"/>
+              <a:buChar char=""/>
+            </a:pPr>
+            <a:r>
+              <a:rPr b="0" lang="pt-BR" sz="2400" spc="-1" strike="noStrike">
+                <a:latin typeface="Arial"/>
+              </a:rPr>
+              <a:t>3.º nível da estrutura de tópicos</a:t>
+            </a:r>
+            <a:endParaRPr b="0" lang="pt-BR" sz="2400" spc="-1" strike="noStrike">
+              <a:latin typeface="Arial"/>
+            </a:endParaRPr>
+          </a:p>
+          <a:p>
+            <a:pPr lvl="3" marL="1728000" indent="-216000">
+              <a:spcBef>
+                <a:spcPts val="567"/>
+              </a:spcBef>
+              <a:buClr>
+                <a:srgbClr val="000000"/>
+              </a:buClr>
+              <a:buSzPct val="75000"/>
+              <a:buFont typeface="Symbol" charset="2"/>
+              <a:buChar char=""/>
+            </a:pPr>
+            <a:r>
+              <a:rPr b="0" lang="pt-BR" sz="2000" spc="-1" strike="noStrike">
+                <a:latin typeface="Arial"/>
+              </a:rPr>
+              <a:t>4.º nível da estrutura de tópicos</a:t>
+            </a:r>
+            <a:endParaRPr b="0" lang="pt-BR" sz="2000" spc="-1" strike="noStrike">
+              <a:latin typeface="Arial"/>
+            </a:endParaRPr>
+          </a:p>
+          <a:p>
+            <a:pPr lvl="4" marL="2160000" indent="-216000">
+              <a:spcBef>
+                <a:spcPts val="283"/>
+              </a:spcBef>
+              <a:buClr>
+                <a:srgbClr val="000000"/>
+              </a:buClr>
+              <a:buSzPct val="45000"/>
+              <a:buFont typeface="Wingdings" charset="2"/>
+              <a:buChar char=""/>
+            </a:pPr>
+            <a:r>
+              <a:rPr b="0" lang="pt-BR" sz="2000" spc="-1" strike="noStrike">
+                <a:latin typeface="Arial"/>
+              </a:rPr>
+              <a:t>5.º nível da estrutura de tópicos</a:t>
+            </a:r>
+            <a:endParaRPr b="0" lang="pt-BR" sz="2000" spc="-1" strike="noStrike">
+              <a:latin typeface="Arial"/>
+            </a:endParaRPr>
+          </a:p>
+          <a:p>
+            <a:pPr lvl="5" marL="2592000" indent="-216000">
+              <a:spcBef>
+                <a:spcPts val="283"/>
+              </a:spcBef>
+              <a:buClr>
+                <a:srgbClr val="000000"/>
+              </a:buClr>
+              <a:buSzPct val="45000"/>
+              <a:buFont typeface="Wingdings" charset="2"/>
+              <a:buChar char=""/>
+            </a:pPr>
+            <a:r>
+              <a:rPr b="0" lang="pt-BR" sz="2000" spc="-1" strike="noStrike">
+                <a:latin typeface="Arial"/>
+              </a:rPr>
+              <a:t>6.º nível da estrutura de tópicos</a:t>
+            </a:r>
+            <a:endParaRPr b="0" lang="pt-BR" sz="2000" spc="-1" strike="noStrike">
+              <a:latin typeface="Arial"/>
+            </a:endParaRPr>
+          </a:p>
+          <a:p>
+            <a:pPr lvl="6" marL="3024000" indent="-216000">
+              <a:spcBef>
+                <a:spcPts val="283"/>
+              </a:spcBef>
+              <a:buClr>
+                <a:srgbClr val="000000"/>
+              </a:buClr>
+              <a:buSzPct val="45000"/>
+              <a:buFont typeface="Wingdings" charset="2"/>
+              <a:buChar char=""/>
+            </a:pPr>
+            <a:r>
+              <a:rPr b="0" lang="pt-BR" sz="2000" spc="-1" strike="noStrike">
+                <a:latin typeface="Arial"/>
+              </a:rPr>
+              <a:t>7.º nível da estrutura de tópicos</a:t>
+            </a:r>
+            <a:endParaRPr b="0" lang="pt-BR" sz="2000" spc="-1" strike="noStrike">
+              <a:latin typeface="Arial"/>
+            </a:endParaRPr>
+          </a:p>
+        </p:txBody>
       </p:sp>
     </p:spTree>
   </p:cSld>
@@ -31263,14 +31756,14 @@
       </p:grpSpPr>
       <p:sp>
         <p:nvSpPr>
-          <p:cNvPr id="437" name="CustomShape 1"/>
+          <p:cNvPr id="439" name="CustomShape 1"/>
           <p:cNvSpPr/>
           <p:nvPr/>
         </p:nvSpPr>
         <p:spPr>
           <a:xfrm>
             <a:off x="2990160" y="2948760"/>
-            <a:ext cx="3162960" cy="574560"/>
+            <a:ext cx="3162600" cy="574200"/>
           </a:xfrm>
           <a:prstGeom prst="rect">
             <a:avLst/>
@@ -31312,7 +31805,7 @@
       </p:sp>
       <p:pic>
         <p:nvPicPr>
-          <p:cNvPr id="438" name="Imagem 2" descr=""/>
+          <p:cNvPr id="440" name="Imagem 2" descr=""/>
           <p:cNvPicPr/>
           <p:nvPr/>
         </p:nvPicPr>
@@ -31323,7 +31816,7 @@
         <p:spPr>
           <a:xfrm>
             <a:off x="2770200" y="973440"/>
-            <a:ext cx="3602880" cy="2262240"/>
+            <a:ext cx="3602520" cy="2261880"/>
           </a:xfrm>
           <a:prstGeom prst="rect">
             <a:avLst/>
@@ -31335,14 +31828,14 @@
       </p:pic>
       <p:sp>
         <p:nvSpPr>
-          <p:cNvPr id="439" name="CustomShape 2"/>
+          <p:cNvPr id="441" name="CustomShape 2"/>
           <p:cNvSpPr/>
           <p:nvPr/>
         </p:nvSpPr>
         <p:spPr>
           <a:xfrm>
             <a:off x="2522880" y="3577680"/>
-            <a:ext cx="4097520" cy="729360"/>
+            <a:ext cx="4097160" cy="729000"/>
           </a:xfrm>
           <a:prstGeom prst="rect">
             <a:avLst/>
@@ -31483,14 +31976,14 @@
       </p:grpSpPr>
       <p:sp>
         <p:nvSpPr>
-          <p:cNvPr id="481" name="CustomShape 1"/>
+          <p:cNvPr id="482" name="CustomShape 1"/>
           <p:cNvSpPr/>
           <p:nvPr/>
         </p:nvSpPr>
         <p:spPr>
           <a:xfrm>
-            <a:off x="685800" y="129960"/>
-            <a:ext cx="7771680" cy="784080"/>
+            <a:off x="685800" y="53640"/>
+            <a:ext cx="7771320" cy="783720"/>
           </a:xfrm>
           <a:prstGeom prst="rect">
             <a:avLst/>
@@ -31525,7 +32018,7 @@
                 <a:latin typeface="Barlow Light"/>
                 <a:ea typeface="Barlow Light"/>
               </a:rPr>
-              <a:t>Diagrama de Classes</a:t>
+              <a:t>Banco de Dados</a:t>
             </a:r>
             <a:endParaRPr b="0" lang="pt-BR" sz="2400" spc="-1" strike="noStrike">
               <a:latin typeface="Arial"/>
@@ -31535,14 +32028,14 @@
       </p:sp>
       <p:sp>
         <p:nvSpPr>
-          <p:cNvPr id="482" name="CustomShape 2"/>
+          <p:cNvPr id="483" name="CustomShape 2"/>
           <p:cNvSpPr/>
           <p:nvPr/>
         </p:nvSpPr>
         <p:spPr>
           <a:xfrm>
             <a:off x="4116240" y="4807440"/>
-            <a:ext cx="910440" cy="335160"/>
+            <a:ext cx="910080" cy="334800"/>
           </a:xfrm>
           <a:prstGeom prst="rect">
             <a:avLst/>
@@ -31566,7 +32059,7 @@
                 <a:spcPct val="100000"/>
               </a:lnSpc>
             </a:pPr>
-            <a:fld id="{47D4533C-15F8-4CD4-99DF-4D4CD5DEABDF}" type="slidenum">
+            <a:fld id="{0EE0A63B-3955-4AB0-88C1-1FF5885FEF4B}" type="slidenum">
               <a:rPr b="0" lang="pt-BR" sz="1000" spc="-1" strike="noStrike">
                 <a:solidFill>
                   <a:srgbClr val="ffffff"/>
@@ -31584,7 +32077,7 @@
       </p:sp>
       <p:pic>
         <p:nvPicPr>
-          <p:cNvPr id="483" name="Imagem 5" descr=""/>
+          <p:cNvPr id="484" name="Imagem 4" descr=""/>
           <p:cNvPicPr/>
           <p:nvPr/>
         </p:nvPicPr>
@@ -31594,8 +32087,8 @@
         </p:blipFill>
         <p:spPr>
           <a:xfrm>
-            <a:off x="1235520" y="607320"/>
-            <a:ext cx="6672240" cy="4262760"/>
+            <a:off x="1041480" y="592200"/>
+            <a:ext cx="7193520" cy="4214160"/>
           </a:xfrm>
           <a:prstGeom prst="rect">
             <a:avLst/>
@@ -31656,14 +32149,14 @@
       </p:grpSpPr>
       <p:sp>
         <p:nvSpPr>
-          <p:cNvPr id="484" name="CustomShape 1"/>
+          <p:cNvPr id="485" name="CustomShape 1"/>
           <p:cNvSpPr/>
           <p:nvPr/>
         </p:nvSpPr>
         <p:spPr>
           <a:xfrm>
-            <a:off x="2442240" y="1691280"/>
-            <a:ext cx="4364280" cy="1159200"/>
+            <a:off x="685800" y="129960"/>
+            <a:ext cx="7771320" cy="783720"/>
           </a:xfrm>
           <a:prstGeom prst="rect">
             <a:avLst/>
@@ -31680,29 +32173,104 @@
           <a:fontRef idx="minor"/>
         </p:style>
         <p:txBody>
-          <a:bodyPr lIns="90000" rIns="90000" tIns="91440" bIns="91440" anchor="b"/>
+          <a:bodyPr lIns="90000" rIns="90000" tIns="91440" bIns="91440"/>
+          <a:p>
+            <a:pPr algn="ctr">
+              <a:lnSpc>
+                <a:spcPct val="100000"/>
+              </a:lnSpc>
+              <a:spcBef>
+                <a:spcPts val="601"/>
+              </a:spcBef>
+            </a:pPr>
+            <a:r>
+              <a:rPr b="0" lang="pt-BR" sz="2400" spc="-1" strike="noStrike">
+                <a:solidFill>
+                  <a:srgbClr val="000000"/>
+                </a:solidFill>
+                <a:latin typeface="Barlow Light"/>
+                <a:ea typeface="Barlow Light"/>
+              </a:rPr>
+              <a:t>Diagrama de Classes</a:t>
+            </a:r>
+            <a:endParaRPr b="0" lang="pt-BR" sz="2400" spc="-1" strike="noStrike">
+              <a:latin typeface="Arial"/>
+            </a:endParaRPr>
+          </a:p>
+        </p:txBody>
+      </p:sp>
+      <p:sp>
+        <p:nvSpPr>
+          <p:cNvPr id="486" name="CustomShape 2"/>
+          <p:cNvSpPr/>
+          <p:nvPr/>
+        </p:nvSpPr>
+        <p:spPr>
+          <a:xfrm>
+            <a:off x="4116240" y="4807440"/>
+            <a:ext cx="910080" cy="334800"/>
+          </a:xfrm>
+          <a:prstGeom prst="rect">
+            <a:avLst/>
+          </a:prstGeom>
+          <a:noFill/>
+          <a:ln>
+            <a:noFill/>
+          </a:ln>
+        </p:spPr>
+        <p:style>
+          <a:lnRef idx="0"/>
+          <a:fillRef idx="0"/>
+          <a:effectRef idx="0"/>
+          <a:fontRef idx="minor"/>
+        </p:style>
+        <p:txBody>
+          <a:bodyPr lIns="90000" rIns="90000" tIns="91440" bIns="91440" anchor="ctr"/>
           <a:p>
             <a:pPr algn="ctr">
               <a:lnSpc>
                 <a:spcPct val="100000"/>
               </a:lnSpc>
             </a:pPr>
-            <a:r>
-              <a:rPr b="0" lang="pt-BR" sz="4000" spc="-1" strike="noStrike">
+            <a:fld id="{D8E9F290-E8F9-42D0-B1F3-4BE8AED6C73C}" type="slidenum">
+              <a:rPr b="0" lang="pt-BR" sz="1000" spc="-1" strike="noStrike">
                 <a:solidFill>
                   <a:srgbClr val="ffffff"/>
                 </a:solidFill>
-                <a:latin typeface="Miriam Libre"/>
-                <a:ea typeface="Miriam Libre"/>
+                <a:latin typeface="Barlow"/>
+                <a:ea typeface="Barlow"/>
               </a:rPr>
-              <a:t>Funcionamento</a:t>
-            </a:r>
-            <a:endParaRPr b="0" lang="pt-BR" sz="4000" spc="-1" strike="noStrike">
+              <a:t>&lt;número&gt;</a:t>
+            </a:fld>
+            <a:endParaRPr b="0" lang="pt-BR" sz="1000" spc="-1" strike="noStrike">
               <a:latin typeface="Arial"/>
             </a:endParaRPr>
           </a:p>
         </p:txBody>
       </p:sp>
+      <p:pic>
+        <p:nvPicPr>
+          <p:cNvPr id="487" name="" descr=""/>
+          <p:cNvPicPr/>
+          <p:nvPr/>
+        </p:nvPicPr>
+        <p:blipFill>
+          <a:blip r:embed="rId1"/>
+          <a:stretch/>
+        </p:blipFill>
+        <p:spPr>
+          <a:xfrm>
+            <a:off x="1823400" y="740880"/>
+            <a:ext cx="5611680" cy="3916800"/>
+          </a:xfrm>
+          <a:prstGeom prst="rect">
+            <a:avLst/>
+          </a:prstGeom>
+          <a:ln>
+            <a:noFill/>
+          </a:ln>
+        </p:spPr>
+      </p:pic>
     </p:spTree>
   </p:cSld>
   <p:timing>
@@ -31754,14 +32322,112 @@
       </p:grpSpPr>
       <p:sp>
         <p:nvSpPr>
-          <p:cNvPr id="485" name="CustomShape 1"/>
+          <p:cNvPr id="488" name="CustomShape 1"/>
+          <p:cNvSpPr/>
+          <p:nvPr/>
+        </p:nvSpPr>
+        <p:spPr>
+          <a:xfrm>
+            <a:off x="2442240" y="1691280"/>
+            <a:ext cx="4363920" cy="1158840"/>
+          </a:xfrm>
+          <a:prstGeom prst="rect">
+            <a:avLst/>
+          </a:prstGeom>
+          <a:noFill/>
+          <a:ln>
+            <a:noFill/>
+          </a:ln>
+        </p:spPr>
+        <p:style>
+          <a:lnRef idx="0"/>
+          <a:fillRef idx="0"/>
+          <a:effectRef idx="0"/>
+          <a:fontRef idx="minor"/>
+        </p:style>
+        <p:txBody>
+          <a:bodyPr lIns="90000" rIns="90000" tIns="91440" bIns="91440" anchor="b"/>
+          <a:p>
+            <a:pPr algn="ctr">
+              <a:lnSpc>
+                <a:spcPct val="100000"/>
+              </a:lnSpc>
+            </a:pPr>
+            <a:r>
+              <a:rPr b="0" lang="pt-BR" sz="4000" spc="-1" strike="noStrike">
+                <a:solidFill>
+                  <a:srgbClr val="ffffff"/>
+                </a:solidFill>
+                <a:latin typeface="Miriam Libre"/>
+                <a:ea typeface="Miriam Libre"/>
+              </a:rPr>
+              <a:t>Funcionamento</a:t>
+            </a:r>
+            <a:endParaRPr b="0" lang="pt-BR" sz="4000" spc="-1" strike="noStrike">
+              <a:latin typeface="Arial"/>
+            </a:endParaRPr>
+          </a:p>
+        </p:txBody>
+      </p:sp>
+    </p:spTree>
+  </p:cSld>
+  <p:timing>
+    <p:tnLst>
+      <p:par>
+        <p:cTn id="23" dur="indefinite" restart="never" nodeType="tmRoot">
+          <p:childTnLst>
+            <p:seq>
+              <p:cTn id="24" dur="indefinite" nodeType="mainSeq"/>
+              <p:prevCondLst>
+                <p:cond delay="0" evt="onPrev">
+                  <p:tgtEl>
+                    <p:sldTgt/>
+                  </p:tgtEl>
+                </p:cond>
+              </p:prevCondLst>
+              <p:nextCondLst>
+                <p:cond delay="0" evt="onNext">
+                  <p:tgtEl>
+                    <p:sldTgt/>
+                  </p:tgtEl>
+                </p:cond>
+              </p:nextCondLst>
+            </p:seq>
+          </p:childTnLst>
+        </p:cTn>
+      </p:par>
+    </p:tnLst>
+  </p:timing>
+</p:sld>
+</file>
+
+<file path=ppt/slides/slide13.xml><?xml version="1.0" encoding="utf-8"?>
+<p:sld xmlns:a="http://schemas.openxmlformats.org/drawingml/2006/main" xmlns:p="http://schemas.openxmlformats.org/presentationml/2006/main" xmlns:r="http://schemas.openxmlformats.org/officeDocument/2006/relationships" xmlns:p14="http://schemas.microsoft.com/office/powerpoint/2010/main" xmlns:p15="http://schemas.microsoft.com/office/powerpoint/2012/main" xmlns:mc="http://schemas.openxmlformats.org/markup-compatibility/2006">
+  <p:cSld>
+    <p:spTree>
+      <p:nvGrpSpPr>
+        <p:cNvPr id="1" name=""/>
+        <p:cNvGrpSpPr/>
+        <p:nvPr/>
+      </p:nvGrpSpPr>
+      <p:grpSpPr>
+        <a:xfrm>
+          <a:off x="0" y="0"/>
+          <a:ext cx="0" cy="0"/>
+          <a:chOff x="0" y="0"/>
+          <a:chExt cx="0" cy="0"/>
+        </a:xfrm>
+      </p:grpSpPr>
+      <p:sp>
+        <p:nvSpPr>
+          <p:cNvPr id="489" name="CustomShape 1"/>
           <p:cNvSpPr/>
           <p:nvPr/>
         </p:nvSpPr>
         <p:spPr>
           <a:xfrm>
             <a:off x="8778240" y="2208240"/>
-            <a:ext cx="365040" cy="726480"/>
+            <a:ext cx="364680" cy="726120"/>
           </a:xfrm>
           <a:prstGeom prst="rect">
             <a:avLst/>
@@ -31785,7 +32451,7 @@
                 <a:spcPct val="100000"/>
               </a:lnSpc>
             </a:pPr>
-            <a:fld id="{69E5D79D-0F4E-4671-9022-A640334E09FF}" type="slidenum">
+            <a:fld id="{3D814036-E880-4B53-948F-23FBB5D9457E}" type="slidenum">
               <a:rPr b="0" lang="pt-BR" sz="1000" spc="-1" strike="noStrike">
                 <a:solidFill>
                   <a:srgbClr val="ffffff"/>
@@ -31803,14 +32469,14 @@
       </p:sp>
       <p:sp>
         <p:nvSpPr>
-          <p:cNvPr id="486" name="CustomShape 2"/>
+          <p:cNvPr id="490" name="CustomShape 2"/>
           <p:cNvSpPr/>
           <p:nvPr/>
         </p:nvSpPr>
         <p:spPr>
           <a:xfrm>
             <a:off x="755280" y="406440"/>
-            <a:ext cx="463320" cy="463320"/>
+            <a:ext cx="462960" cy="462960"/>
           </a:xfrm>
           <a:prstGeom prst="smileyFace">
             <a:avLst>
@@ -31838,14 +32504,14 @@
       </p:sp>
       <p:sp>
         <p:nvSpPr>
-          <p:cNvPr id="487" name="CustomShape 3"/>
+          <p:cNvPr id="491" name="CustomShape 3"/>
           <p:cNvSpPr/>
           <p:nvPr/>
         </p:nvSpPr>
         <p:spPr>
           <a:xfrm>
             <a:off x="1365120" y="577800"/>
-            <a:ext cx="1224720" cy="360"/>
+            <a:ext cx="1224360" cy="360"/>
           </a:xfrm>
           <a:custGeom>
             <a:avLst/>
@@ -31884,14 +32550,14 @@
       </p:sp>
       <p:sp>
         <p:nvSpPr>
-          <p:cNvPr id="488" name="CustomShape 4"/>
+          <p:cNvPr id="492" name="CustomShape 4"/>
           <p:cNvSpPr/>
           <p:nvPr/>
         </p:nvSpPr>
         <p:spPr>
           <a:xfrm>
             <a:off x="1273320" y="343440"/>
-            <a:ext cx="2177280" cy="211680"/>
+            <a:ext cx="2176920" cy="211320"/>
           </a:xfrm>
           <a:prstGeom prst="rect">
             <a:avLst/>
@@ -31933,14 +32599,14 @@
       </p:sp>
       <p:sp>
         <p:nvSpPr>
-          <p:cNvPr id="489" name="CustomShape 5"/>
+          <p:cNvPr id="493" name="CustomShape 5"/>
           <p:cNvSpPr/>
           <p:nvPr/>
         </p:nvSpPr>
         <p:spPr>
           <a:xfrm>
             <a:off x="2698920" y="291960"/>
-            <a:ext cx="1040760" cy="640440"/>
+            <a:ext cx="1040400" cy="640080"/>
           </a:xfrm>
           <a:prstGeom prst="rect">
             <a:avLst/>
@@ -31989,14 +32655,14 @@
       </p:sp>
       <p:sp>
         <p:nvSpPr>
-          <p:cNvPr id="490" name="CustomShape 6"/>
+          <p:cNvPr id="494" name="CustomShape 6"/>
           <p:cNvSpPr/>
           <p:nvPr/>
         </p:nvSpPr>
         <p:spPr>
           <a:xfrm flipH="1">
-            <a:off x="1364400" y="788040"/>
-            <a:ext cx="1186560" cy="360"/>
+            <a:off x="1363680" y="788040"/>
+            <a:ext cx="1186200" cy="360"/>
           </a:xfrm>
           <a:custGeom>
             <a:avLst/>
@@ -32035,14 +32701,14 @@
       </p:sp>
       <p:sp>
         <p:nvSpPr>
-          <p:cNvPr id="491" name="CustomShape 7"/>
+          <p:cNvPr id="495" name="CustomShape 7"/>
           <p:cNvSpPr/>
           <p:nvPr/>
         </p:nvSpPr>
         <p:spPr>
           <a:xfrm>
             <a:off x="1487160" y="810360"/>
-            <a:ext cx="755280" cy="242280"/>
+            <a:ext cx="754920" cy="241920"/>
           </a:xfrm>
           <a:prstGeom prst="rect">
             <a:avLst/>
@@ -32084,14 +32750,14 @@
       </p:sp>
       <p:sp>
         <p:nvSpPr>
-          <p:cNvPr id="492" name="CustomShape 8"/>
+          <p:cNvPr id="496" name="CustomShape 8"/>
           <p:cNvSpPr/>
           <p:nvPr/>
         </p:nvSpPr>
         <p:spPr>
           <a:xfrm>
             <a:off x="266760" y="505080"/>
-            <a:ext cx="266040" cy="266040"/>
+            <a:ext cx="265680" cy="265680"/>
           </a:xfrm>
           <a:prstGeom prst="ellipse">
             <a:avLst/>
@@ -32145,7 +32811,7 @@
       </p:sp>
       <p:sp>
         <p:nvSpPr>
-          <p:cNvPr id="493" name="Line 9"/>
+          <p:cNvPr id="497" name="Line 9"/>
           <p:cNvSpPr/>
           <p:nvPr/>
         </p:nvSpPr>
@@ -32179,14 +32845,14 @@
       </p:sp>
       <p:sp>
         <p:nvSpPr>
-          <p:cNvPr id="494" name="CustomShape 10"/>
+          <p:cNvPr id="498" name="CustomShape 10"/>
           <p:cNvSpPr/>
           <p:nvPr/>
         </p:nvSpPr>
         <p:spPr>
           <a:xfrm>
             <a:off x="266760" y="2448720"/>
-            <a:ext cx="266040" cy="266040"/>
+            <a:ext cx="265680" cy="265680"/>
           </a:xfrm>
           <a:prstGeom prst="ellipse">
             <a:avLst/>
@@ -32240,14 +32906,14 @@
       </p:sp>
       <p:sp>
         <p:nvSpPr>
-          <p:cNvPr id="495" name="CustomShape 11"/>
+          <p:cNvPr id="499" name="CustomShape 11"/>
           <p:cNvSpPr/>
           <p:nvPr/>
         </p:nvSpPr>
         <p:spPr>
           <a:xfrm>
             <a:off x="707400" y="2350080"/>
-            <a:ext cx="463320" cy="463320"/>
+            <a:ext cx="462960" cy="462960"/>
           </a:xfrm>
           <a:prstGeom prst="smileyFace">
             <a:avLst>
@@ -32275,14 +32941,14 @@
       </p:sp>
       <p:sp>
         <p:nvSpPr>
-          <p:cNvPr id="496" name="CustomShape 12"/>
+          <p:cNvPr id="500" name="CustomShape 12"/>
           <p:cNvSpPr/>
           <p:nvPr/>
         </p:nvSpPr>
         <p:spPr>
           <a:xfrm>
             <a:off x="2229840" y="2340720"/>
-            <a:ext cx="945360" cy="522720"/>
+            <a:ext cx="945000" cy="522360"/>
           </a:xfrm>
           <a:prstGeom prst="flowChartAlternateProcess">
             <a:avLst/>
@@ -32331,14 +32997,14 @@
       </p:sp>
       <p:sp>
         <p:nvSpPr>
-          <p:cNvPr id="497" name="CustomShape 13"/>
+          <p:cNvPr id="501" name="CustomShape 13"/>
           <p:cNvSpPr/>
           <p:nvPr/>
         </p:nvSpPr>
         <p:spPr>
           <a:xfrm>
             <a:off x="1345680" y="2521440"/>
-            <a:ext cx="767880" cy="360"/>
+            <a:ext cx="767520" cy="360"/>
           </a:xfrm>
           <a:custGeom>
             <a:avLst/>
@@ -32377,14 +33043,14 @@
       </p:sp>
       <p:sp>
         <p:nvSpPr>
-          <p:cNvPr id="498" name="CustomShape 14"/>
+          <p:cNvPr id="502" name="CustomShape 14"/>
           <p:cNvSpPr/>
           <p:nvPr/>
         </p:nvSpPr>
         <p:spPr>
           <a:xfrm>
             <a:off x="1219320" y="2277720"/>
-            <a:ext cx="1082880" cy="227160"/>
+            <a:ext cx="1082520" cy="226800"/>
           </a:xfrm>
           <a:prstGeom prst="rect">
             <a:avLst/>
@@ -32426,14 +33092,14 @@
       </p:sp>
       <p:sp>
         <p:nvSpPr>
-          <p:cNvPr id="499" name="CustomShape 15"/>
+          <p:cNvPr id="503" name="CustomShape 15"/>
           <p:cNvSpPr/>
           <p:nvPr/>
         </p:nvSpPr>
         <p:spPr>
           <a:xfrm>
             <a:off x="4703760" y="2318400"/>
-            <a:ext cx="857880" cy="528120"/>
+            <a:ext cx="857520" cy="527760"/>
           </a:xfrm>
           <a:prstGeom prst="rect">
             <a:avLst/>
@@ -32482,14 +33148,14 @@
       </p:sp>
       <p:sp>
         <p:nvSpPr>
-          <p:cNvPr id="500" name="CustomShape 16"/>
+          <p:cNvPr id="504" name="CustomShape 16"/>
           <p:cNvSpPr/>
           <p:nvPr/>
         </p:nvSpPr>
         <p:spPr>
           <a:xfrm flipV="1">
             <a:off x="3245040" y="2344680"/>
-            <a:ext cx="1484280" cy="6840"/>
+            <a:ext cx="1483920" cy="6480"/>
           </a:xfrm>
           <a:custGeom>
             <a:avLst/>
@@ -32528,14 +33194,14 @@
       </p:sp>
       <p:sp>
         <p:nvSpPr>
-          <p:cNvPr id="501" name="CustomShape 17"/>
+          <p:cNvPr id="505" name="CustomShape 17"/>
           <p:cNvSpPr/>
           <p:nvPr/>
         </p:nvSpPr>
         <p:spPr>
           <a:xfrm>
             <a:off x="3283920" y="1729800"/>
-            <a:ext cx="1282320" cy="618840"/>
+            <a:ext cx="1281960" cy="618480"/>
           </a:xfrm>
           <a:prstGeom prst="round2SameRect">
             <a:avLst>
@@ -32671,14 +33337,14 @@
       </p:sp>
       <p:sp>
         <p:nvSpPr>
-          <p:cNvPr id="502" name="CustomShape 18"/>
+          <p:cNvPr id="506" name="CustomShape 18"/>
           <p:cNvSpPr/>
           <p:nvPr/>
         </p:nvSpPr>
         <p:spPr>
           <a:xfrm>
             <a:off x="3291120" y="2365200"/>
-            <a:ext cx="1282320" cy="285840"/>
+            <a:ext cx="1281960" cy="285480"/>
           </a:xfrm>
           <a:prstGeom prst="round2SameRect">
             <a:avLst>
@@ -32764,14 +33430,14 @@
       </p:sp>
       <p:sp>
         <p:nvSpPr>
-          <p:cNvPr id="503" name="CustomShape 19"/>
+          <p:cNvPr id="507" name="CustomShape 19"/>
           <p:cNvSpPr/>
           <p:nvPr/>
         </p:nvSpPr>
         <p:spPr>
           <a:xfrm>
             <a:off x="485280" y="3966840"/>
-            <a:ext cx="970920" cy="565560"/>
+            <a:ext cx="970560" cy="565200"/>
           </a:xfrm>
           <a:prstGeom prst="rect">
             <a:avLst/>
@@ -32820,14 +33486,14 @@
       </p:sp>
       <p:sp>
         <p:nvSpPr>
-          <p:cNvPr id="504" name="CustomShape 20"/>
+          <p:cNvPr id="508" name="CustomShape 20"/>
           <p:cNvSpPr/>
           <p:nvPr/>
         </p:nvSpPr>
         <p:spPr>
           <a:xfrm flipH="1">
             <a:off x="3218760" y="2715480"/>
-            <a:ext cx="1483560" cy="360"/>
+            <a:ext cx="1483200" cy="360"/>
           </a:xfrm>
           <a:custGeom>
             <a:avLst/>
@@ -32866,14 +33532,14 @@
       </p:sp>
       <p:sp>
         <p:nvSpPr>
-          <p:cNvPr id="505" name="CustomShape 21"/>
+          <p:cNvPr id="509" name="CustomShape 21"/>
           <p:cNvSpPr/>
           <p:nvPr/>
         </p:nvSpPr>
         <p:spPr>
           <a:xfrm>
             <a:off x="2553840" y="3219120"/>
-            <a:ext cx="1282320" cy="522720"/>
+            <a:ext cx="1281960" cy="522360"/>
           </a:xfrm>
           <a:prstGeom prst="round2SameRect">
             <a:avLst>
@@ -32979,7 +33645,7 @@
       </p:sp>
       <p:sp>
         <p:nvSpPr>
-          <p:cNvPr id="506" name="Line 22"/>
+          <p:cNvPr id="510" name="Line 22"/>
           <p:cNvSpPr/>
           <p:nvPr/>
         </p:nvSpPr>
@@ -33010,7 +33676,7 @@
       </p:sp>
       <p:sp>
         <p:nvSpPr>
-          <p:cNvPr id="507" name="Line 23"/>
+          <p:cNvPr id="511" name="Line 23"/>
           <p:cNvSpPr/>
           <p:nvPr/>
         </p:nvSpPr>
@@ -33041,14 +33707,14 @@
       </p:sp>
       <p:sp>
         <p:nvSpPr>
-          <p:cNvPr id="508" name="CustomShape 24"/>
+          <p:cNvPr id="512" name="CustomShape 24"/>
           <p:cNvSpPr/>
           <p:nvPr/>
         </p:nvSpPr>
         <p:spPr>
           <a:xfrm>
             <a:off x="1171080" y="3825720"/>
-            <a:ext cx="360" cy="140760"/>
+            <a:ext cx="360" cy="140400"/>
           </a:xfrm>
           <a:custGeom>
             <a:avLst/>
@@ -33087,7 +33753,7 @@
       </p:sp>
       <p:sp>
         <p:nvSpPr>
-          <p:cNvPr id="509" name="Line 25"/>
+          <p:cNvPr id="513" name="Line 25"/>
           <p:cNvSpPr/>
           <p:nvPr/>
         </p:nvSpPr>
@@ -33118,7 +33784,7 @@
       </p:sp>
       <p:sp>
         <p:nvSpPr>
-          <p:cNvPr id="510" name="Line 26"/>
+          <p:cNvPr id="514" name="Line 26"/>
           <p:cNvSpPr/>
           <p:nvPr/>
         </p:nvSpPr>
@@ -33149,14 +33815,14 @@
       </p:sp>
       <p:sp>
         <p:nvSpPr>
-          <p:cNvPr id="511" name="CustomShape 27"/>
+          <p:cNvPr id="515" name="CustomShape 27"/>
           <p:cNvSpPr/>
           <p:nvPr/>
         </p:nvSpPr>
         <p:spPr>
           <a:xfrm flipV="1">
             <a:off x="4838760" y="2846520"/>
-            <a:ext cx="360" cy="357480"/>
+            <a:ext cx="360" cy="357120"/>
           </a:xfrm>
           <a:custGeom>
             <a:avLst/>
@@ -33195,14 +33861,14 @@
       </p:sp>
       <p:sp>
         <p:nvSpPr>
-          <p:cNvPr id="512" name="CustomShape 28"/>
+          <p:cNvPr id="516" name="CustomShape 28"/>
           <p:cNvSpPr/>
           <p:nvPr/>
         </p:nvSpPr>
         <p:spPr>
           <a:xfrm flipH="1">
             <a:off x="1272600" y="2715480"/>
-            <a:ext cx="767880" cy="360"/>
+            <a:ext cx="767520" cy="360"/>
           </a:xfrm>
           <a:custGeom>
             <a:avLst/>
@@ -33241,14 +33907,14 @@
       </p:sp>
       <p:sp>
         <p:nvSpPr>
-          <p:cNvPr id="513" name="CustomShape 29"/>
+          <p:cNvPr id="517" name="CustomShape 29"/>
           <p:cNvSpPr/>
           <p:nvPr/>
         </p:nvSpPr>
         <p:spPr>
           <a:xfrm>
             <a:off x="1204200" y="2711160"/>
-            <a:ext cx="970200" cy="211680"/>
+            <a:ext cx="969840" cy="211320"/>
           </a:xfrm>
           <a:prstGeom prst="rect">
             <a:avLst/>
@@ -33293,10 +33959,10 @@
   <p:timing>
     <p:tnLst>
       <p:par>
-        <p:cTn id="23" dur="indefinite" restart="never" nodeType="tmRoot">
+        <p:cTn id="25" dur="indefinite" restart="never" nodeType="tmRoot">
           <p:childTnLst>
             <p:seq>
-              <p:cTn id="24" dur="indefinite" nodeType="mainSeq"/>
+              <p:cTn id="26" dur="indefinite" nodeType="mainSeq"/>
               <p:prevCondLst>
                 <p:cond delay="0" evt="onPrev">
                   <p:tgtEl>
@@ -33320,7 +33986,7 @@
 </p:sld>
 </file>
 
-<file path=ppt/slides/slide13.xml><?xml version="1.0" encoding="utf-8"?>
+<file path=ppt/slides/slide14.xml><?xml version="1.0" encoding="utf-8"?>
 <p:sld xmlns:a="http://schemas.openxmlformats.org/drawingml/2006/main" xmlns:p="http://schemas.openxmlformats.org/presentationml/2006/main" xmlns:r="http://schemas.openxmlformats.org/officeDocument/2006/relationships" xmlns:p14="http://schemas.microsoft.com/office/powerpoint/2010/main" xmlns:p15="http://schemas.microsoft.com/office/powerpoint/2012/main" xmlns:mc="http://schemas.openxmlformats.org/markup-compatibility/2006">
   <p:cSld>
     <p:spTree>
@@ -33339,14 +34005,187 @@
       </p:grpSpPr>
       <p:sp>
         <p:nvSpPr>
-          <p:cNvPr id="514" name="CustomShape 1"/>
+          <p:cNvPr id="518" name="CustomShape 1"/>
+          <p:cNvSpPr/>
+          <p:nvPr/>
+        </p:nvSpPr>
+        <p:spPr>
+          <a:xfrm>
+            <a:off x="685800" y="129960"/>
+            <a:ext cx="7771320" cy="783720"/>
+          </a:xfrm>
+          <a:prstGeom prst="rect">
+            <a:avLst/>
+          </a:prstGeom>
+          <a:noFill/>
+          <a:ln>
+            <a:noFill/>
+          </a:ln>
+        </p:spPr>
+        <p:style>
+          <a:lnRef idx="0"/>
+          <a:fillRef idx="0"/>
+          <a:effectRef idx="0"/>
+          <a:fontRef idx="minor"/>
+        </p:style>
+        <p:txBody>
+          <a:bodyPr lIns="90000" rIns="90000" tIns="91440" bIns="91440"/>
+          <a:p>
+            <a:pPr algn="ctr">
+              <a:lnSpc>
+                <a:spcPct val="100000"/>
+              </a:lnSpc>
+              <a:spcBef>
+                <a:spcPts val="601"/>
+              </a:spcBef>
+            </a:pPr>
+            <a:r>
+              <a:rPr b="0" lang="pt-BR" sz="2400" spc="-1" strike="noStrike">
+                <a:solidFill>
+                  <a:srgbClr val="000000"/>
+                </a:solidFill>
+                <a:latin typeface="Barlow Light"/>
+                <a:ea typeface="Barlow Light"/>
+              </a:rPr>
+              <a:t>Diagrama de Classes de Implementação</a:t>
+            </a:r>
+            <a:endParaRPr b="0" lang="pt-BR" sz="2400" spc="-1" strike="noStrike">
+              <a:latin typeface="Arial"/>
+            </a:endParaRPr>
+          </a:p>
+        </p:txBody>
+      </p:sp>
+      <p:sp>
+        <p:nvSpPr>
+          <p:cNvPr id="519" name="CustomShape 2"/>
+          <p:cNvSpPr/>
+          <p:nvPr/>
+        </p:nvSpPr>
+        <p:spPr>
+          <a:xfrm>
+            <a:off x="4116240" y="4807440"/>
+            <a:ext cx="910080" cy="334800"/>
+          </a:xfrm>
+          <a:prstGeom prst="rect">
+            <a:avLst/>
+          </a:prstGeom>
+          <a:noFill/>
+          <a:ln>
+            <a:noFill/>
+          </a:ln>
+        </p:spPr>
+        <p:style>
+          <a:lnRef idx="0"/>
+          <a:fillRef idx="0"/>
+          <a:effectRef idx="0"/>
+          <a:fontRef idx="minor"/>
+        </p:style>
+        <p:txBody>
+          <a:bodyPr lIns="90000" rIns="90000" tIns="91440" bIns="91440" anchor="ctr"/>
+          <a:p>
+            <a:pPr algn="ctr">
+              <a:lnSpc>
+                <a:spcPct val="100000"/>
+              </a:lnSpc>
+            </a:pPr>
+            <a:fld id="{125A1EEA-6ACE-44A4-8751-70704012B95D}" type="slidenum">
+              <a:rPr b="0" lang="pt-BR" sz="1000" spc="-1" strike="noStrike">
+                <a:solidFill>
+                  <a:srgbClr val="ffffff"/>
+                </a:solidFill>
+                <a:latin typeface="Barlow"/>
+                <a:ea typeface="Barlow"/>
+              </a:rPr>
+              <a:t>&lt;número&gt;</a:t>
+            </a:fld>
+            <a:endParaRPr b="0" lang="pt-BR" sz="1000" spc="-1" strike="noStrike">
+              <a:latin typeface="Arial"/>
+            </a:endParaRPr>
+          </a:p>
+        </p:txBody>
+      </p:sp>
+      <p:pic>
+        <p:nvPicPr>
+          <p:cNvPr id="520" name="" descr=""/>
+          <p:cNvPicPr/>
+          <p:nvPr/>
+        </p:nvPicPr>
+        <p:blipFill>
+          <a:blip r:embed="rId1"/>
+          <a:stretch/>
+        </p:blipFill>
+        <p:spPr>
+          <a:xfrm>
+            <a:off x="1440000" y="619920"/>
+            <a:ext cx="6368760" cy="4204080"/>
+          </a:xfrm>
+          <a:prstGeom prst="rect">
+            <a:avLst/>
+          </a:prstGeom>
+          <a:ln>
+            <a:noFill/>
+          </a:ln>
+        </p:spPr>
+      </p:pic>
+    </p:spTree>
+  </p:cSld>
+  <p:timing>
+    <p:tnLst>
+      <p:par>
+        <p:cTn id="27" dur="indefinite" restart="never" nodeType="tmRoot">
+          <p:childTnLst>
+            <p:seq>
+              <p:cTn id="28" dur="indefinite" nodeType="mainSeq"/>
+              <p:prevCondLst>
+                <p:cond delay="0" evt="onPrev">
+                  <p:tgtEl>
+                    <p:sldTgt/>
+                  </p:tgtEl>
+                </p:cond>
+              </p:prevCondLst>
+              <p:nextCondLst>
+                <p:cond delay="0" evt="onNext">
+                  <p:tgtEl>
+                    <p:sldTgt/>
+                  </p:tgtEl>
+                </p:cond>
+              </p:nextCondLst>
+            </p:seq>
+          </p:childTnLst>
+        </p:cTn>
+      </p:par>
+    </p:tnLst>
+  </p:timing>
+</p:sld>
+</file>
+
+<file path=ppt/slides/slide15.xml><?xml version="1.0" encoding="utf-8"?>
+<p:sld xmlns:a="http://schemas.openxmlformats.org/drawingml/2006/main" xmlns:p="http://schemas.openxmlformats.org/presentationml/2006/main" xmlns:r="http://schemas.openxmlformats.org/officeDocument/2006/relationships" xmlns:p14="http://schemas.microsoft.com/office/powerpoint/2010/main" xmlns:p15="http://schemas.microsoft.com/office/powerpoint/2012/main" xmlns:mc="http://schemas.openxmlformats.org/markup-compatibility/2006">
+  <p:cSld>
+    <p:spTree>
+      <p:nvGrpSpPr>
+        <p:cNvPr id="1" name=""/>
+        <p:cNvGrpSpPr/>
+        <p:nvPr/>
+      </p:nvGrpSpPr>
+      <p:grpSpPr>
+        <a:xfrm>
+          <a:off x="0" y="0"/>
+          <a:ext cx="0" cy="0"/>
+          <a:chOff x="0" y="0"/>
+          <a:chExt cx="0" cy="0"/>
+        </a:xfrm>
+      </p:grpSpPr>
+      <p:sp>
+        <p:nvSpPr>
+          <p:cNvPr id="521" name="CustomShape 1"/>
           <p:cNvSpPr/>
           <p:nvPr/>
         </p:nvSpPr>
         <p:spPr>
           <a:xfrm>
             <a:off x="3693240" y="725400"/>
-            <a:ext cx="4806720" cy="3741840"/>
+            <a:ext cx="4806360" cy="3741480"/>
           </a:xfrm>
           <a:custGeom>
             <a:avLst/>
@@ -33766,14 +34605,14 @@
       </p:sp>
       <p:sp>
         <p:nvSpPr>
-          <p:cNvPr id="515" name="CustomShape 2"/>
+          <p:cNvPr id="522" name="CustomShape 2"/>
           <p:cNvSpPr/>
           <p:nvPr/>
         </p:nvSpPr>
         <p:spPr>
           <a:xfrm>
             <a:off x="3894480" y="964080"/>
-            <a:ext cx="4404960" cy="2812320"/>
+            <a:ext cx="4404600" cy="2811960"/>
           </a:xfrm>
           <a:prstGeom prst="rect">
             <a:avLst/>
@@ -33815,14 +34654,14 @@
       </p:sp>
       <p:sp>
         <p:nvSpPr>
-          <p:cNvPr id="516" name="CustomShape 3"/>
+          <p:cNvPr id="523" name="CustomShape 3"/>
           <p:cNvSpPr/>
           <p:nvPr/>
         </p:nvSpPr>
         <p:spPr>
           <a:xfrm>
             <a:off x="8778240" y="2208240"/>
-            <a:ext cx="365040" cy="726480"/>
+            <a:ext cx="364680" cy="726120"/>
           </a:xfrm>
           <a:prstGeom prst="rect">
             <a:avLst/>
@@ -33846,7 +34685,7 @@
                 <a:spcPct val="100000"/>
               </a:lnSpc>
             </a:pPr>
-            <a:fld id="{F075AA0C-7022-4594-883A-D330F08AF6B6}" type="slidenum">
+            <a:fld id="{8CB6B801-B7CD-4E99-9E07-5F606EF9CC93}" type="slidenum">
               <a:rPr b="0" lang="pt-BR" sz="1000" spc="-1" strike="noStrike">
                 <a:solidFill>
                   <a:srgbClr val="ffffff"/>
@@ -33864,14 +34703,14 @@
       </p:sp>
       <p:sp>
         <p:nvSpPr>
-          <p:cNvPr id="517" name="CustomShape 4"/>
+          <p:cNvPr id="524" name="CustomShape 4"/>
           <p:cNvSpPr/>
           <p:nvPr/>
         </p:nvSpPr>
         <p:spPr>
           <a:xfrm>
-            <a:off x="486000" y="671040"/>
-            <a:ext cx="2097360" cy="3742200"/>
+            <a:off x="360000" y="671040"/>
+            <a:ext cx="2466000" cy="3741840"/>
           </a:xfrm>
           <a:prstGeom prst="rect">
             <a:avLst/>
@@ -33939,7 +34778,7 @@
       </p:sp>
       <p:pic>
         <p:nvPicPr>
-          <p:cNvPr id="518" name="" descr=""/>
+          <p:cNvPr id="525" name="" descr=""/>
           <p:cNvPicPr/>
           <p:nvPr/>
         </p:nvPicPr>
@@ -33950,7 +34789,7 @@
         <p:spPr>
           <a:xfrm>
             <a:off x="3816000" y="864000"/>
-            <a:ext cx="4494240" cy="2880000"/>
+            <a:ext cx="4493880" cy="2879640"/>
           </a:xfrm>
           <a:prstGeom prst="rect">
             <a:avLst/>
@@ -33965,10 +34804,10 @@
   <p:timing>
     <p:tnLst>
       <p:par>
-        <p:cTn id="25" dur="indefinite" restart="never" nodeType="tmRoot">
+        <p:cTn id="29" dur="indefinite" restart="never" nodeType="tmRoot">
           <p:childTnLst>
             <p:seq>
-              <p:cTn id="26" dur="indefinite" nodeType="mainSeq"/>
+              <p:cTn id="30" dur="indefinite" nodeType="mainSeq"/>
               <p:prevCondLst>
                 <p:cond delay="0" evt="onPrev">
                   <p:tgtEl>
@@ -33992,7 +34831,7 @@
 </p:sld>
 </file>
 
-<file path=ppt/slides/slide14.xml><?xml version="1.0" encoding="utf-8"?>
+<file path=ppt/slides/slide16.xml><?xml version="1.0" encoding="utf-8"?>
 <p:sld xmlns:a="http://schemas.openxmlformats.org/drawingml/2006/main" xmlns:p="http://schemas.openxmlformats.org/presentationml/2006/main" xmlns:r="http://schemas.openxmlformats.org/officeDocument/2006/relationships" xmlns:p14="http://schemas.microsoft.com/office/powerpoint/2010/main" xmlns:p15="http://schemas.microsoft.com/office/powerpoint/2012/main" xmlns:mc="http://schemas.openxmlformats.org/markup-compatibility/2006">
   <p:cSld>
     <p:spTree>
@@ -34011,14 +34850,14 @@
       </p:grpSpPr>
       <p:sp>
         <p:nvSpPr>
-          <p:cNvPr id="519" name="CustomShape 1"/>
+          <p:cNvPr id="526" name="CustomShape 1"/>
           <p:cNvSpPr/>
           <p:nvPr/>
         </p:nvSpPr>
         <p:spPr>
           <a:xfrm>
             <a:off x="5819040" y="489960"/>
-            <a:ext cx="2074320" cy="4163040"/>
+            <a:ext cx="2073960" cy="4162680"/>
           </a:xfrm>
           <a:custGeom>
             <a:avLst/>
@@ -34679,14 +35518,14 @@
       </p:sp>
       <p:sp>
         <p:nvSpPr>
-          <p:cNvPr id="520" name="CustomShape 2"/>
+          <p:cNvPr id="527" name="CustomShape 2"/>
           <p:cNvSpPr/>
           <p:nvPr/>
         </p:nvSpPr>
         <p:spPr>
           <a:xfrm>
             <a:off x="486000" y="671040"/>
-            <a:ext cx="3609000" cy="3742200"/>
+            <a:ext cx="3608640" cy="3741840"/>
           </a:xfrm>
           <a:prstGeom prst="rect">
             <a:avLst/>
@@ -34754,14 +35593,14 @@
       </p:sp>
       <p:sp>
         <p:nvSpPr>
-          <p:cNvPr id="521" name="CustomShape 3"/>
+          <p:cNvPr id="528" name="CustomShape 3"/>
           <p:cNvSpPr/>
           <p:nvPr/>
         </p:nvSpPr>
         <p:spPr>
           <a:xfrm>
             <a:off x="5912280" y="839160"/>
-            <a:ext cx="1887840" cy="3355560"/>
+            <a:ext cx="1887480" cy="3355200"/>
           </a:xfrm>
           <a:prstGeom prst="rect">
             <a:avLst/>
@@ -34803,14 +35642,14 @@
       </p:sp>
       <p:sp>
         <p:nvSpPr>
-          <p:cNvPr id="522" name="CustomShape 4"/>
+          <p:cNvPr id="529" name="CustomShape 4"/>
           <p:cNvSpPr/>
           <p:nvPr/>
         </p:nvSpPr>
         <p:spPr>
           <a:xfrm>
             <a:off x="8778240" y="2208240"/>
-            <a:ext cx="365040" cy="726480"/>
+            <a:ext cx="364680" cy="726120"/>
           </a:xfrm>
           <a:prstGeom prst="rect">
             <a:avLst/>
@@ -34834,7 +35673,7 @@
                 <a:spcPct val="100000"/>
               </a:lnSpc>
             </a:pPr>
-            <a:fld id="{A426229A-80C5-46E2-8BCD-674C5EF12264}" type="slidenum">
+            <a:fld id="{EF4E6956-1F7A-4B44-A1DA-E1255908B8DA}" type="slidenum">
               <a:rPr b="0" lang="pt-BR" sz="1000" spc="-1" strike="noStrike">
                 <a:solidFill>
                   <a:srgbClr val="ffffff"/>
@@ -34852,28 +35691,28 @@
       </p:sp>
       <p:grpSp>
         <p:nvGrpSpPr>
-          <p:cNvPr id="523" name="Group 5"/>
+          <p:cNvPr id="530" name="Group 5"/>
           <p:cNvGrpSpPr/>
           <p:nvPr/>
         </p:nvGrpSpPr>
         <p:grpSpPr>
           <a:xfrm>
             <a:off x="1670400" y="2692080"/>
-            <a:ext cx="935280" cy="2450880"/>
+            <a:ext cx="934920" cy="2450520"/>
             <a:chOff x="1670400" y="2692080"/>
-            <a:chExt cx="935280" cy="2450880"/>
+            <a:chExt cx="934920" cy="2450520"/>
           </a:xfrm>
         </p:grpSpPr>
         <p:sp>
           <p:nvSpPr>
-            <p:cNvPr id="524" name="CustomShape 6"/>
+            <p:cNvPr id="531" name="CustomShape 6"/>
             <p:cNvSpPr/>
             <p:nvPr/>
           </p:nvSpPr>
           <p:spPr>
             <a:xfrm>
               <a:off x="1829880" y="3399480"/>
-              <a:ext cx="586080" cy="304200"/>
+              <a:ext cx="585720" cy="303840"/>
             </a:xfrm>
             <a:custGeom>
               <a:avLst/>
@@ -35010,14 +35849,14 @@
         </p:sp>
         <p:sp>
           <p:nvSpPr>
-            <p:cNvPr id="525" name="CustomShape 7"/>
+            <p:cNvPr id="532" name="CustomShape 7"/>
             <p:cNvSpPr/>
             <p:nvPr/>
           </p:nvSpPr>
           <p:spPr>
             <a:xfrm>
               <a:off x="1829880" y="2692080"/>
-              <a:ext cx="586080" cy="406800"/>
+              <a:ext cx="585720" cy="406440"/>
             </a:xfrm>
             <a:custGeom>
               <a:avLst/>
@@ -35131,14 +35970,14 @@
         </p:sp>
         <p:sp>
           <p:nvSpPr>
-            <p:cNvPr id="526" name="CustomShape 8"/>
+            <p:cNvPr id="533" name="CustomShape 8"/>
             <p:cNvSpPr/>
             <p:nvPr/>
           </p:nvSpPr>
           <p:spPr>
             <a:xfrm>
               <a:off x="2003400" y="3591000"/>
-              <a:ext cx="243720" cy="29520"/>
+              <a:ext cx="243360" cy="29160"/>
             </a:xfrm>
             <a:custGeom>
               <a:avLst/>
@@ -35198,14 +36037,14 @@
         </p:sp>
         <p:sp>
           <p:nvSpPr>
-            <p:cNvPr id="527" name="CustomShape 9"/>
+            <p:cNvPr id="534" name="CustomShape 9"/>
             <p:cNvSpPr/>
             <p:nvPr/>
           </p:nvSpPr>
           <p:spPr>
             <a:xfrm>
               <a:off x="2086920" y="2757960"/>
-              <a:ext cx="72000" cy="72000"/>
+              <a:ext cx="71640" cy="71640"/>
             </a:xfrm>
             <a:custGeom>
               <a:avLst/>
@@ -35281,14 +36120,14 @@
         </p:sp>
         <p:sp>
           <p:nvSpPr>
-            <p:cNvPr id="528" name="CustomShape 10"/>
+            <p:cNvPr id="535" name="CustomShape 10"/>
             <p:cNvSpPr/>
             <p:nvPr/>
           </p:nvSpPr>
           <p:spPr>
             <a:xfrm>
               <a:off x="1670400" y="2890800"/>
-              <a:ext cx="315000" cy="711720"/>
+              <a:ext cx="314640" cy="711360"/>
             </a:xfrm>
             <a:custGeom>
               <a:avLst/>
@@ -35635,14 +36474,14 @@
         </p:sp>
         <p:sp>
           <p:nvSpPr>
-            <p:cNvPr id="529" name="CustomShape 11"/>
+            <p:cNvPr id="536" name="CustomShape 11"/>
             <p:cNvSpPr/>
             <p:nvPr/>
           </p:nvSpPr>
           <p:spPr>
             <a:xfrm>
               <a:off x="1866960" y="2991960"/>
-              <a:ext cx="738720" cy="2151000"/>
+              <a:ext cx="738360" cy="2150640"/>
             </a:xfrm>
             <a:custGeom>
               <a:avLst/>
@@ -35876,14 +36715,14 @@
         </p:sp>
         <p:sp>
           <p:nvSpPr>
-            <p:cNvPr id="530" name="CustomShape 12"/>
+            <p:cNvPr id="537" name="CustomShape 12"/>
             <p:cNvSpPr/>
             <p:nvPr/>
           </p:nvSpPr>
           <p:spPr>
             <a:xfrm>
               <a:off x="2039040" y="4149360"/>
-              <a:ext cx="72000" cy="64800"/>
+              <a:ext cx="71640" cy="64440"/>
             </a:xfrm>
             <a:custGeom>
               <a:avLst/>
@@ -35960,7 +36799,7 @@
       </p:grpSp>
       <p:pic>
         <p:nvPicPr>
-          <p:cNvPr id="531" name="" descr=""/>
+          <p:cNvPr id="538" name="" descr=""/>
           <p:cNvPicPr/>
           <p:nvPr/>
         </p:nvPicPr>
@@ -35971,7 +36810,7 @@
         <p:spPr>
           <a:xfrm>
             <a:off x="5912280" y="839160"/>
-            <a:ext cx="1887840" cy="3355560"/>
+            <a:ext cx="1887480" cy="3355200"/>
           </a:xfrm>
           <a:prstGeom prst="rect">
             <a:avLst/>
@@ -35986,10 +36825,10 @@
   <p:timing>
     <p:tnLst>
       <p:par>
-        <p:cTn id="27" dur="indefinite" restart="never" nodeType="tmRoot">
+        <p:cTn id="31" dur="indefinite" restart="never" nodeType="tmRoot">
           <p:childTnLst>
             <p:seq>
-              <p:cTn id="28" dur="indefinite" nodeType="mainSeq"/>
+              <p:cTn id="32" dur="indefinite" nodeType="mainSeq"/>
               <p:prevCondLst>
                 <p:cond delay="0" evt="onPrev">
                   <p:tgtEl>
@@ -36032,14 +36871,14 @@
       </p:grpSpPr>
       <p:sp>
         <p:nvSpPr>
-          <p:cNvPr id="440" name="CustomShape 1"/>
+          <p:cNvPr id="442" name="CustomShape 1"/>
           <p:cNvSpPr/>
           <p:nvPr/>
         </p:nvSpPr>
         <p:spPr>
           <a:xfrm>
             <a:off x="2442240" y="1691280"/>
-            <a:ext cx="4364280" cy="1159200"/>
+            <a:ext cx="4363920" cy="1158840"/>
           </a:xfrm>
           <a:prstGeom prst="rect">
             <a:avLst/>
@@ -36130,14 +36969,14 @@
       </p:grpSpPr>
       <p:sp>
         <p:nvSpPr>
-          <p:cNvPr id="441" name="CustomShape 1"/>
+          <p:cNvPr id="443" name="CustomShape 1"/>
           <p:cNvSpPr/>
           <p:nvPr/>
         </p:nvSpPr>
         <p:spPr>
           <a:xfrm>
             <a:off x="457200" y="586800"/>
-            <a:ext cx="5137920" cy="677160"/>
+            <a:ext cx="5137560" cy="676800"/>
           </a:xfrm>
           <a:prstGeom prst="rect">
             <a:avLst/>
@@ -36179,14 +37018,14 @@
       </p:sp>
       <p:sp>
         <p:nvSpPr>
-          <p:cNvPr id="442" name="CustomShape 2"/>
+          <p:cNvPr id="444" name="CustomShape 2"/>
           <p:cNvSpPr/>
           <p:nvPr/>
         </p:nvSpPr>
         <p:spPr>
           <a:xfrm>
             <a:off x="8808120" y="2208240"/>
-            <a:ext cx="335160" cy="726480"/>
+            <a:ext cx="334800" cy="726120"/>
           </a:xfrm>
           <a:prstGeom prst="rect">
             <a:avLst/>
@@ -36210,7 +37049,7 @@
                 <a:spcPct val="100000"/>
               </a:lnSpc>
             </a:pPr>
-            <a:fld id="{7FC00F44-A936-434D-B5E9-EF7523FB4233}" type="slidenum">
+            <a:fld id="{7C4BA3CD-10EC-4092-BBF9-3094D616FF2F}" type="slidenum">
               <a:rPr b="0" lang="pt-BR" sz="1000" spc="-1" strike="noStrike">
                 <a:solidFill>
                   <a:srgbClr val="ffffff"/>
@@ -36228,14 +37067,14 @@
       </p:sp>
       <p:sp>
         <p:nvSpPr>
-          <p:cNvPr id="443" name="CustomShape 3"/>
+          <p:cNvPr id="445" name="CustomShape 3"/>
           <p:cNvSpPr/>
           <p:nvPr/>
         </p:nvSpPr>
         <p:spPr>
           <a:xfrm>
             <a:off x="457200" y="1401480"/>
-            <a:ext cx="4798800" cy="3154320"/>
+            <a:ext cx="4798440" cy="3153960"/>
           </a:xfrm>
           <a:prstGeom prst="rect">
             <a:avLst/>
@@ -36254,7 +37093,7 @@
         <p:txBody>
           <a:bodyPr lIns="90000" rIns="90000" tIns="91440" bIns="91440"/>
           <a:p>
-            <a:pPr marL="457200" indent="-342360">
+            <a:pPr marL="457200" indent="-342000">
               <a:lnSpc>
                 <a:spcPct val="100000"/>
               </a:lnSpc>
@@ -36282,7 +37121,7 @@
             </a:endParaRPr>
           </a:p>
           <a:p>
-            <a:pPr marL="457200" indent="-342360">
+            <a:pPr marL="457200" indent="-342000">
               <a:lnSpc>
                 <a:spcPct val="100000"/>
               </a:lnSpc>
@@ -36310,7 +37149,7 @@
             </a:endParaRPr>
           </a:p>
           <a:p>
-            <a:pPr marL="457200" indent="-342360">
+            <a:pPr marL="457200" indent="-342000">
               <a:lnSpc>
                 <a:spcPct val="100000"/>
               </a:lnSpc>
@@ -36338,7 +37177,7 @@
             </a:endParaRPr>
           </a:p>
           <a:p>
-            <a:pPr marL="457200" indent="-342360">
+            <a:pPr marL="457200" indent="-342000">
               <a:lnSpc>
                 <a:spcPct val="100000"/>
               </a:lnSpc>
@@ -36366,7 +37205,7 @@
             </a:endParaRPr>
           </a:p>
           <a:p>
-            <a:pPr marL="457200" indent="-342360">
+            <a:pPr marL="457200" indent="-342000">
               <a:lnSpc>
                 <a:spcPct val="100000"/>
               </a:lnSpc>
@@ -36446,14 +37285,14 @@
       </p:grpSpPr>
       <p:sp>
         <p:nvSpPr>
-          <p:cNvPr id="444" name="CustomShape 1"/>
+          <p:cNvPr id="446" name="CustomShape 1"/>
           <p:cNvSpPr/>
           <p:nvPr/>
         </p:nvSpPr>
         <p:spPr>
           <a:xfrm>
             <a:off x="457200" y="233280"/>
-            <a:ext cx="5137920" cy="567000"/>
+            <a:ext cx="5137560" cy="566640"/>
           </a:xfrm>
           <a:prstGeom prst="rect">
             <a:avLst/>
@@ -36495,14 +37334,14 @@
       </p:sp>
       <p:sp>
         <p:nvSpPr>
-          <p:cNvPr id="445" name="CustomShape 2"/>
+          <p:cNvPr id="447" name="CustomShape 2"/>
           <p:cNvSpPr/>
           <p:nvPr/>
         </p:nvSpPr>
         <p:spPr>
           <a:xfrm>
             <a:off x="8808120" y="2208240"/>
-            <a:ext cx="335160" cy="726480"/>
+            <a:ext cx="334800" cy="726120"/>
           </a:xfrm>
           <a:prstGeom prst="rect">
             <a:avLst/>
@@ -36526,7 +37365,7 @@
                 <a:spcPct val="100000"/>
               </a:lnSpc>
             </a:pPr>
-            <a:fld id="{BF3A181D-9B55-48BD-9082-E036A28FE708}" type="slidenum">
+            <a:fld id="{D0813D4F-8657-4DEF-950A-10BF651476EE}" type="slidenum">
               <a:rPr b="0" lang="pt-BR" sz="1000" spc="-1" strike="noStrike">
                 <a:solidFill>
                   <a:srgbClr val="ffffff"/>
@@ -36544,13 +37383,13 @@
       </p:sp>
       <p:graphicFrame>
         <p:nvGraphicFramePr>
-          <p:cNvPr id="446" name="Table 3"/>
+          <p:cNvPr id="448" name="Table 3"/>
           <p:cNvGraphicFramePr/>
           <p:nvPr/>
         </p:nvGraphicFramePr>
         <p:xfrm>
           <a:off x="523080" y="743760"/>
-          <a:ext cx="4524480" cy="4217760"/>
+          <a:ext cx="4524480" cy="4217400"/>
         </p:xfrm>
         <a:graphic>
           <a:graphicData uri="http://schemas.openxmlformats.org/drawingml/2006/table">
@@ -37171,7 +38010,7 @@
                   </a:tcPr>
                 </a:tc>
               </a:tr>
-              <a:tr h="1312920">
+              <a:tr h="1312560">
                 <a:tc>
                   <a:txBody>
                     <a:bodyPr lIns="39600" rIns="39600"/>
@@ -37323,7 +38162,7 @@
       </p:graphicFrame>
       <p:pic>
         <p:nvPicPr>
-          <p:cNvPr id="447" name="Imagem 5" descr=""/>
+          <p:cNvPr id="449" name="Imagem 5" descr=""/>
           <p:cNvPicPr/>
           <p:nvPr/>
         </p:nvPicPr>
@@ -37334,7 +38173,7 @@
         <p:spPr>
           <a:xfrm>
             <a:off x="5048280" y="1168560"/>
-            <a:ext cx="333720" cy="432720"/>
+            <a:ext cx="333360" cy="432360"/>
           </a:xfrm>
           <a:prstGeom prst="rect">
             <a:avLst/>
@@ -37346,7 +38185,7 @@
       </p:pic>
       <p:pic>
         <p:nvPicPr>
-          <p:cNvPr id="448" name="Imagem 9" descr=""/>
+          <p:cNvPr id="450" name="Imagem 9" descr=""/>
           <p:cNvPicPr/>
           <p:nvPr/>
         </p:nvPicPr>
@@ -37357,7 +38196,7 @@
         <p:spPr>
           <a:xfrm>
             <a:off x="5050440" y="1991520"/>
-            <a:ext cx="333720" cy="432720"/>
+            <a:ext cx="333360" cy="432360"/>
           </a:xfrm>
           <a:prstGeom prst="rect">
             <a:avLst/>
@@ -37369,7 +38208,7 @@
       </p:pic>
       <p:pic>
         <p:nvPicPr>
-          <p:cNvPr id="449" name="Imagem 10" descr=""/>
+          <p:cNvPr id="451" name="Imagem 10" descr=""/>
           <p:cNvPicPr/>
           <p:nvPr/>
         </p:nvPicPr>
@@ -37380,7 +38219,7 @@
         <p:spPr>
           <a:xfrm>
             <a:off x="5048280" y="2935440"/>
-            <a:ext cx="333720" cy="432720"/>
+            <a:ext cx="333360" cy="432360"/>
           </a:xfrm>
           <a:prstGeom prst="rect">
             <a:avLst/>
@@ -37392,7 +38231,7 @@
       </p:pic>
       <p:pic>
         <p:nvPicPr>
-          <p:cNvPr id="450" name="Imagem 11" descr=""/>
+          <p:cNvPr id="452" name="Imagem 11" descr=""/>
           <p:cNvPicPr/>
           <p:nvPr/>
         </p:nvPicPr>
@@ -37403,7 +38242,7 @@
         <p:spPr>
           <a:xfrm>
             <a:off x="5048280" y="4124880"/>
-            <a:ext cx="333720" cy="459000"/>
+            <a:ext cx="333360" cy="458640"/>
           </a:xfrm>
           <a:prstGeom prst="rect">
             <a:avLst/>
@@ -37464,14 +38303,14 @@
       </p:grpSpPr>
       <p:sp>
         <p:nvSpPr>
-          <p:cNvPr id="451" name="CustomShape 1"/>
+          <p:cNvPr id="453" name="CustomShape 1"/>
           <p:cNvSpPr/>
           <p:nvPr/>
         </p:nvSpPr>
         <p:spPr>
           <a:xfrm>
             <a:off x="8808120" y="2208240"/>
-            <a:ext cx="335160" cy="726480"/>
+            <a:ext cx="334800" cy="726120"/>
           </a:xfrm>
           <a:prstGeom prst="rect">
             <a:avLst/>
@@ -37495,7 +38334,7 @@
                 <a:spcPct val="100000"/>
               </a:lnSpc>
             </a:pPr>
-            <a:fld id="{55F0B013-0861-46C5-A7C9-24D7C5FC9F52}" type="slidenum">
+            <a:fld id="{B04AC028-9B56-420F-8F96-01CA30B1E8F6}" type="slidenum">
               <a:rPr b="0" lang="pt-BR" sz="1000" spc="-1" strike="noStrike">
                 <a:solidFill>
                   <a:srgbClr val="ffffff"/>
@@ -37513,7 +38352,7 @@
       </p:sp>
       <p:graphicFrame>
         <p:nvGraphicFramePr>
-          <p:cNvPr id="452" name="Table 2"/>
+          <p:cNvPr id="454" name="Table 2"/>
           <p:cNvGraphicFramePr/>
           <p:nvPr/>
         </p:nvGraphicFramePr>
@@ -38704,7 +39543,7 @@
       </p:graphicFrame>
       <p:pic>
         <p:nvPicPr>
-          <p:cNvPr id="453" name="Imagem 7" descr=""/>
+          <p:cNvPr id="455" name="Imagem 7" descr=""/>
           <p:cNvPicPr/>
           <p:nvPr/>
         </p:nvPicPr>
@@ -38715,7 +39554,7 @@
         <p:spPr>
           <a:xfrm>
             <a:off x="5510160" y="295920"/>
-            <a:ext cx="333720" cy="432720"/>
+            <a:ext cx="333360" cy="432360"/>
           </a:xfrm>
           <a:prstGeom prst="rect">
             <a:avLst/>
@@ -38727,7 +39566,7 @@
       </p:pic>
       <p:pic>
         <p:nvPicPr>
-          <p:cNvPr id="454" name="Imagem 8" descr=""/>
+          <p:cNvPr id="456" name="Imagem 8" descr=""/>
           <p:cNvPicPr/>
           <p:nvPr/>
         </p:nvPicPr>
@@ -38738,7 +39577,7 @@
         <p:spPr>
           <a:xfrm>
             <a:off x="5510160" y="911880"/>
-            <a:ext cx="333720" cy="432720"/>
+            <a:ext cx="333360" cy="432360"/>
           </a:xfrm>
           <a:prstGeom prst="rect">
             <a:avLst/>
@@ -38750,7 +39589,7 @@
       </p:pic>
       <p:pic>
         <p:nvPicPr>
-          <p:cNvPr id="455" name="Imagem 9" descr=""/>
+          <p:cNvPr id="457" name="Imagem 9" descr=""/>
           <p:cNvPicPr/>
           <p:nvPr/>
         </p:nvPicPr>
@@ -38761,7 +39600,7 @@
         <p:spPr>
           <a:xfrm>
             <a:off x="5510160" y="3744000"/>
-            <a:ext cx="333720" cy="432720"/>
+            <a:ext cx="333360" cy="432360"/>
           </a:xfrm>
           <a:prstGeom prst="rect">
             <a:avLst/>
@@ -38773,7 +39612,7 @@
       </p:pic>
       <p:pic>
         <p:nvPicPr>
-          <p:cNvPr id="456" name="Imagem 10" descr=""/>
+          <p:cNvPr id="458" name="Imagem 10" descr=""/>
           <p:cNvPicPr/>
           <p:nvPr/>
         </p:nvPicPr>
@@ -38784,7 +39623,7 @@
         <p:spPr>
           <a:xfrm>
             <a:off x="5510160" y="4332240"/>
-            <a:ext cx="333720" cy="432720"/>
+            <a:ext cx="333360" cy="432360"/>
           </a:xfrm>
           <a:prstGeom prst="rect">
             <a:avLst/>
@@ -38796,7 +39635,7 @@
       </p:pic>
       <p:pic>
         <p:nvPicPr>
-          <p:cNvPr id="457" name="Imagem 6" descr=""/>
+          <p:cNvPr id="459" name="Imagem 6" descr=""/>
           <p:cNvPicPr/>
           <p:nvPr/>
         </p:nvPicPr>
@@ -38807,7 +39646,7 @@
         <p:spPr>
           <a:xfrm>
             <a:off x="5536800" y="1487520"/>
-            <a:ext cx="326880" cy="326880"/>
+            <a:ext cx="326520" cy="326520"/>
           </a:xfrm>
           <a:prstGeom prst="rect">
             <a:avLst/>
@@ -38819,7 +39658,7 @@
       </p:pic>
       <p:pic>
         <p:nvPicPr>
-          <p:cNvPr id="458" name="Imagem 13" descr=""/>
+          <p:cNvPr id="460" name="Imagem 13" descr=""/>
           <p:cNvPicPr/>
           <p:nvPr/>
         </p:nvPicPr>
@@ -38830,7 +39669,7 @@
         <p:spPr>
           <a:xfrm>
             <a:off x="5536800" y="1969920"/>
-            <a:ext cx="326880" cy="326880"/>
+            <a:ext cx="326520" cy="326520"/>
           </a:xfrm>
           <a:prstGeom prst="rect">
             <a:avLst/>
@@ -38842,7 +39681,7 @@
       </p:pic>
       <p:pic>
         <p:nvPicPr>
-          <p:cNvPr id="459" name="Imagem 14" descr=""/>
+          <p:cNvPr id="461" name="Imagem 14" descr=""/>
           <p:cNvPicPr/>
           <p:nvPr/>
         </p:nvPicPr>
@@ -38853,7 +39692,7 @@
         <p:spPr>
           <a:xfrm>
             <a:off x="5536800" y="2588040"/>
-            <a:ext cx="326880" cy="326880"/>
+            <a:ext cx="326520" cy="326520"/>
           </a:xfrm>
           <a:prstGeom prst="rect">
             <a:avLst/>
@@ -38865,7 +39704,7 @@
       </p:pic>
       <p:pic>
         <p:nvPicPr>
-          <p:cNvPr id="460" name="Imagem 15" descr=""/>
+          <p:cNvPr id="462" name="Imagem 15" descr=""/>
           <p:cNvPicPr/>
           <p:nvPr/>
         </p:nvPicPr>
@@ -38876,7 +39715,7 @@
         <p:spPr>
           <a:xfrm>
             <a:off x="5536800" y="3206520"/>
-            <a:ext cx="326880" cy="326880"/>
+            <a:ext cx="326520" cy="326520"/>
           </a:xfrm>
           <a:prstGeom prst="rect">
             <a:avLst/>
@@ -38937,14 +39776,14 @@
       </p:grpSpPr>
       <p:sp>
         <p:nvSpPr>
-          <p:cNvPr id="461" name="CustomShape 1"/>
+          <p:cNvPr id="463" name="CustomShape 1"/>
           <p:cNvSpPr/>
           <p:nvPr/>
         </p:nvSpPr>
         <p:spPr>
           <a:xfrm>
             <a:off x="8808120" y="2208240"/>
-            <a:ext cx="335160" cy="726480"/>
+            <a:ext cx="334800" cy="726120"/>
           </a:xfrm>
           <a:prstGeom prst="rect">
             <a:avLst/>
@@ -38968,7 +39807,7 @@
                 <a:spcPct val="100000"/>
               </a:lnSpc>
             </a:pPr>
-            <a:fld id="{31C7611C-D9D1-46AA-A7AA-525E29B2BD88}" type="slidenum">
+            <a:fld id="{0C74CA35-51FC-4332-9A4D-9AF1C62569EF}" type="slidenum">
               <a:rPr b="0" lang="pt-BR" sz="1000" spc="-1" strike="noStrike">
                 <a:solidFill>
                   <a:srgbClr val="ffffff"/>
@@ -38986,13 +39825,13 @@
       </p:sp>
       <p:graphicFrame>
         <p:nvGraphicFramePr>
-          <p:cNvPr id="462" name="Table 2"/>
+          <p:cNvPr id="464" name="Table 2"/>
           <p:cNvGraphicFramePr/>
           <p:nvPr/>
         </p:nvGraphicFramePr>
         <p:xfrm>
-          <a:off x="254160" y="146160"/>
-          <a:ext cx="5339520" cy="4599360"/>
+          <a:off x="211320" y="11160"/>
+          <a:ext cx="5339520" cy="4893840"/>
         </p:xfrm>
         <a:graphic>
           <a:graphicData uri="http://schemas.openxmlformats.org/drawingml/2006/table">
@@ -39003,7 +39842,7 @@
                 <a:gridCol w="3511440"/>
                 <a:gridCol w="1085040"/>
               </a:tblGrid>
-              <a:tr h="401040">
+              <a:tr h="476280">
                 <a:tc>
                   <a:txBody>
                     <a:bodyPr lIns="11880" rIns="11880"/>
@@ -39149,7 +39988,7 @@
                   </a:tcPr>
                 </a:tc>
               </a:tr>
-              <a:tr h="914400">
+              <a:tr h="860400">
                 <a:tc>
                   <a:txBody>
                     <a:bodyPr lIns="11880" rIns="11880"/>
@@ -39295,7 +40134,7 @@
                   </a:tcPr>
                 </a:tc>
               </a:tr>
-              <a:tr h="466200">
+              <a:tr h="552960">
                 <a:tc>
                   <a:txBody>
                     <a:bodyPr lIns="11880" rIns="11880"/>
@@ -39461,7 +40300,7 @@
                   </a:tcPr>
                 </a:tc>
               </a:tr>
-              <a:tr h="466200">
+              <a:tr h="552960">
                 <a:tc>
                   <a:txBody>
                     <a:bodyPr lIns="11880" rIns="11880"/>
@@ -39607,7 +40446,7 @@
                   </a:tcPr>
                 </a:tc>
               </a:tr>
-              <a:tr h="461520">
+              <a:tr h="552960">
                 <a:tc>
                   <a:txBody>
                     <a:bodyPr lIns="11880" rIns="11880"/>
@@ -39753,7 +40592,7 @@
                   </a:tcPr>
                 </a:tc>
               </a:tr>
-              <a:tr h="401040">
+              <a:tr h="476280">
                 <a:tc>
                   <a:txBody>
                     <a:bodyPr lIns="11880" rIns="11880"/>
@@ -39899,7 +40738,7 @@
                   </a:tcPr>
                 </a:tc>
               </a:tr>
-              <a:tr h="626760">
+              <a:tr h="706680">
                 <a:tc>
                   <a:txBody>
                     <a:bodyPr lIns="11880" rIns="11880"/>
@@ -40045,7 +40884,7 @@
                   </a:tcPr>
                 </a:tc>
               </a:tr>
-              <a:tr h="401040">
+              <a:tr h="476280">
                 <a:tc>
                   <a:txBody>
                     <a:bodyPr lIns="11880" rIns="11880"/>
@@ -40191,7 +41030,7 @@
                   </a:tcPr>
                 </a:tc>
               </a:tr>
-              <a:tr h="461520">
+              <a:tr h="552960">
                 <a:tc>
                   <a:txBody>
                     <a:bodyPr lIns="11880" rIns="11880"/>
@@ -40343,7 +41182,7 @@
       </p:graphicFrame>
       <p:pic>
         <p:nvPicPr>
-          <p:cNvPr id="463" name="Imagem 5" descr=""/>
+          <p:cNvPr id="465" name="Imagem 5" descr=""/>
           <p:cNvPicPr/>
           <p:nvPr/>
         </p:nvPicPr>
@@ -40354,7 +41193,7 @@
         <p:spPr>
           <a:xfrm>
             <a:off x="5594400" y="1534320"/>
-            <a:ext cx="333720" cy="432720"/>
+            <a:ext cx="333360" cy="432360"/>
           </a:xfrm>
           <a:prstGeom prst="rect">
             <a:avLst/>
@@ -40366,7 +41205,7 @@
       </p:pic>
       <p:pic>
         <p:nvPicPr>
-          <p:cNvPr id="464" name="Imagem 6" descr=""/>
+          <p:cNvPr id="466" name="Imagem 6" descr=""/>
           <p:cNvPicPr/>
           <p:nvPr/>
         </p:nvPicPr>
@@ -40376,8 +41215,8 @@
         </p:blipFill>
         <p:spPr>
           <a:xfrm>
-            <a:off x="5594400" y="4391640"/>
-            <a:ext cx="333720" cy="432720"/>
+            <a:off x="5570640" y="4711320"/>
+            <a:ext cx="333360" cy="432360"/>
           </a:xfrm>
           <a:prstGeom prst="rect">
             <a:avLst/>
@@ -40389,7 +41228,7 @@
       </p:pic>
       <p:pic>
         <p:nvPicPr>
-          <p:cNvPr id="465" name="Imagem 7" descr=""/>
+          <p:cNvPr id="467" name="Imagem 7" descr=""/>
           <p:cNvPicPr/>
           <p:nvPr/>
         </p:nvPicPr>
@@ -40400,7 +41239,7 @@
         <p:spPr>
           <a:xfrm>
             <a:off x="5621040" y="2041200"/>
-            <a:ext cx="320400" cy="320400"/>
+            <a:ext cx="320040" cy="320040"/>
           </a:xfrm>
           <a:prstGeom prst="rect">
             <a:avLst/>
@@ -40412,7 +41251,7 @@
       </p:pic>
       <p:pic>
         <p:nvPicPr>
-          <p:cNvPr id="466" name="Imagem 9" descr=""/>
+          <p:cNvPr id="468" name="Imagem 9" descr=""/>
           <p:cNvPicPr/>
           <p:nvPr/>
         </p:nvPicPr>
@@ -40422,8 +41261,8 @@
         </p:blipFill>
         <p:spPr>
           <a:xfrm>
-            <a:off x="5591880" y="3982680"/>
-            <a:ext cx="333720" cy="432720"/>
+            <a:off x="5550840" y="4248000"/>
+            <a:ext cx="333360" cy="432360"/>
           </a:xfrm>
           <a:prstGeom prst="rect">
             <a:avLst/>
@@ -40484,14 +41323,14 @@
       </p:grpSpPr>
       <p:sp>
         <p:nvSpPr>
-          <p:cNvPr id="467" name="CustomShape 1"/>
+          <p:cNvPr id="469" name="CustomShape 1"/>
           <p:cNvSpPr/>
           <p:nvPr/>
         </p:nvSpPr>
         <p:spPr>
           <a:xfrm>
             <a:off x="171360" y="108000"/>
-            <a:ext cx="5137920" cy="668880"/>
+            <a:ext cx="5137560" cy="668520"/>
           </a:xfrm>
           <a:prstGeom prst="rect">
             <a:avLst/>
@@ -40533,14 +41372,14 @@
       </p:sp>
       <p:sp>
         <p:nvSpPr>
-          <p:cNvPr id="468" name="CustomShape 2"/>
+          <p:cNvPr id="470" name="CustomShape 2"/>
           <p:cNvSpPr/>
           <p:nvPr/>
         </p:nvSpPr>
         <p:spPr>
           <a:xfrm>
             <a:off x="8808120" y="2208240"/>
-            <a:ext cx="335160" cy="726480"/>
+            <a:ext cx="334800" cy="726120"/>
           </a:xfrm>
           <a:prstGeom prst="rect">
             <a:avLst/>
@@ -40564,7 +41403,7 @@
                 <a:spcPct val="100000"/>
               </a:lnSpc>
             </a:pPr>
-            <a:fld id="{493189BF-21D0-4D9D-949F-1B3D47848F8A}" type="slidenum">
+            <a:fld id="{21341A17-3DD0-4926-A5F5-9FB6AF5A7762}" type="slidenum">
               <a:rPr b="0" lang="pt-BR" sz="1000" spc="-1" strike="noStrike">
                 <a:solidFill>
                   <a:srgbClr val="ffffff"/>
@@ -40582,13 +41421,13 @@
       </p:sp>
       <p:graphicFrame>
         <p:nvGraphicFramePr>
-          <p:cNvPr id="469" name="Table 3"/>
+          <p:cNvPr id="471" name="Table 3"/>
           <p:cNvGraphicFramePr/>
           <p:nvPr/>
         </p:nvGraphicFramePr>
         <p:xfrm>
           <a:off x="285480" y="777600"/>
-          <a:ext cx="4959000" cy="3971520"/>
+          <a:ext cx="4959000" cy="3971160"/>
         </p:xfrm>
         <a:graphic>
           <a:graphicData uri="http://schemas.openxmlformats.org/drawingml/2006/table">
@@ -40859,7 +41698,7 @@
                           <a:latin typeface="Arial"/>
                           <a:ea typeface="Arial"/>
                         </a:rPr>
-                        <a:t>O sistema deve prever uma hierarquia de acesso em que o usuário denominado administrador terá acesso a todos os dados do sistema e a geração de gráficos exclusivos, enquanto o usuário denominado funcionário poderá acessar apenas os dados inseridos por ele ou compartilhados com o mesmo além de poder criar projetos, tarefas e atividades.</a:t>
+                        <a:t>O sistema deve prever uma hierarquia de acesso em que o usuário denominado administrador terá acesso a todos os dados do sistema e a geração de gráficos exclusivos, enquanto o usuário denominado funcionário poderá acessar apenas os dados inseridos por ele ou compartilhados com o mesmo, ambos tipos de usuários podem criar projetos, tarefas, atividades, viagens e compras.</a:t>
                       </a:r>
                       <a:endParaRPr b="0" lang="pt-BR" sz="900" spc="-1" strike="noStrike">
                         <a:latin typeface="Arial"/>
@@ -41621,7 +42460,7 @@
                   </a:tcPr>
                 </a:tc>
               </a:tr>
-              <a:tr h="478080">
+              <a:tr h="477720">
                 <a:tc>
                   <a:txBody>
                     <a:bodyPr lIns="48600" rIns="48600"/>
@@ -41773,7 +42612,7 @@
       </p:graphicFrame>
       <p:pic>
         <p:nvPicPr>
-          <p:cNvPr id="470" name="Imagem 10" descr=""/>
+          <p:cNvPr id="472" name="Imagem 10" descr=""/>
           <p:cNvPicPr/>
           <p:nvPr/>
         </p:nvPicPr>
@@ -41784,7 +42623,7 @@
         <p:spPr>
           <a:xfrm>
             <a:off x="5245200" y="1168560"/>
-            <a:ext cx="333720" cy="432720"/>
+            <a:ext cx="333360" cy="432360"/>
           </a:xfrm>
           <a:prstGeom prst="rect">
             <a:avLst/>
@@ -41796,7 +42635,7 @@
       </p:pic>
       <p:pic>
         <p:nvPicPr>
-          <p:cNvPr id="471" name="Imagem 11" descr=""/>
+          <p:cNvPr id="473" name="Imagem 11" descr=""/>
           <p:cNvPicPr/>
           <p:nvPr/>
         </p:nvPicPr>
@@ -41807,7 +42646,7 @@
         <p:spPr>
           <a:xfrm>
             <a:off x="5245200" y="2150280"/>
-            <a:ext cx="333720" cy="432720"/>
+            <a:ext cx="333360" cy="432360"/>
           </a:xfrm>
           <a:prstGeom prst="rect">
             <a:avLst/>
@@ -41819,7 +42658,7 @@
       </p:pic>
       <p:pic>
         <p:nvPicPr>
-          <p:cNvPr id="472" name="Imagem 12" descr=""/>
+          <p:cNvPr id="474" name="Imagem 12" descr=""/>
           <p:cNvPicPr/>
           <p:nvPr/>
         </p:nvPicPr>
@@ -41830,7 +42669,7 @@
         <p:spPr>
           <a:xfrm>
             <a:off x="5245200" y="2584080"/>
-            <a:ext cx="333720" cy="432720"/>
+            <a:ext cx="333360" cy="432360"/>
           </a:xfrm>
           <a:prstGeom prst="rect">
             <a:avLst/>
@@ -41842,7 +42681,7 @@
       </p:pic>
       <p:pic>
         <p:nvPicPr>
-          <p:cNvPr id="473" name="Imagem 13" descr=""/>
+          <p:cNvPr id="475" name="Imagem 13" descr=""/>
           <p:cNvPicPr/>
           <p:nvPr/>
         </p:nvPicPr>
@@ -41853,7 +42692,7 @@
         <p:spPr>
           <a:xfrm>
             <a:off x="5245200" y="3009960"/>
-            <a:ext cx="333720" cy="432720"/>
+            <a:ext cx="333360" cy="432360"/>
           </a:xfrm>
           <a:prstGeom prst="rect">
             <a:avLst/>
@@ -41865,7 +42704,7 @@
       </p:pic>
       <p:pic>
         <p:nvPicPr>
-          <p:cNvPr id="474" name="Imagem 14" descr=""/>
+          <p:cNvPr id="476" name="Imagem 14" descr=""/>
           <p:cNvPicPr/>
           <p:nvPr/>
         </p:nvPicPr>
@@ -41876,7 +42715,7 @@
         <p:spPr>
           <a:xfrm>
             <a:off x="5245200" y="3380760"/>
-            <a:ext cx="333720" cy="432720"/>
+            <a:ext cx="333360" cy="432360"/>
           </a:xfrm>
           <a:prstGeom prst="rect">
             <a:avLst/>
@@ -41888,7 +42727,7 @@
       </p:pic>
       <p:pic>
         <p:nvPicPr>
-          <p:cNvPr id="475" name="Imagem 15" descr=""/>
+          <p:cNvPr id="477" name="Imagem 15" descr=""/>
           <p:cNvPicPr/>
           <p:nvPr/>
         </p:nvPicPr>
@@ -41899,30 +42738,7 @@
         <p:spPr>
           <a:xfrm>
             <a:off x="5245200" y="3814200"/>
-            <a:ext cx="333720" cy="432720"/>
-          </a:xfrm>
-          <a:prstGeom prst="rect">
-            <a:avLst/>
-          </a:prstGeom>
-          <a:ln>
-            <a:noFill/>
-          </a:ln>
-        </p:spPr>
-      </p:pic>
-      <p:pic>
-        <p:nvPicPr>
-          <p:cNvPr id="476" name="Imagem 16" descr=""/>
-          <p:cNvPicPr/>
-          <p:nvPr/>
-        </p:nvPicPr>
-        <p:blipFill>
-          <a:blip r:embed="rId7"/>
-          <a:stretch/>
-        </p:blipFill>
-        <p:spPr>
-          <a:xfrm>
-            <a:off x="5245200" y="4281120"/>
-            <a:ext cx="333720" cy="432720"/>
+            <a:ext cx="333360" cy="432360"/>
           </a:xfrm>
           <a:prstGeom prst="rect">
             <a:avLst/>
@@ -41983,14 +42799,14 @@
       </p:grpSpPr>
       <p:sp>
         <p:nvSpPr>
-          <p:cNvPr id="477" name="CustomShape 1"/>
+          <p:cNvPr id="478" name="CustomShape 1"/>
           <p:cNvSpPr/>
           <p:nvPr/>
         </p:nvSpPr>
         <p:spPr>
           <a:xfrm>
-            <a:off x="2442240" y="1691280"/>
-            <a:ext cx="4364280" cy="1159200"/>
+            <a:off x="171360" y="0"/>
+            <a:ext cx="5588640" cy="668520"/>
           </a:xfrm>
           <a:prstGeom prst="rect">
             <a:avLst/>
@@ -42009,27 +42825,99 @@
         <p:txBody>
           <a:bodyPr lIns="90000" rIns="90000" tIns="91440" bIns="91440" anchor="b"/>
           <a:p>
+            <a:pPr>
+              <a:lnSpc>
+                <a:spcPct val="100000"/>
+              </a:lnSpc>
+            </a:pPr>
+            <a:r>
+              <a:rPr b="0" lang="pt-BR" sz="3000" spc="-1" strike="noStrike">
+                <a:solidFill>
+                  <a:srgbClr val="a5b0fe"/>
+                </a:solidFill>
+                <a:latin typeface="Miriam Libre"/>
+                <a:ea typeface="Miriam Libre"/>
+              </a:rPr>
+              <a:t>Diagrama de Casos de Uso</a:t>
+            </a:r>
+            <a:endParaRPr b="0" lang="pt-BR" sz="3000" spc="-1" strike="noStrike">
+              <a:latin typeface="Arial"/>
+            </a:endParaRPr>
+          </a:p>
+        </p:txBody>
+      </p:sp>
+      <p:sp>
+        <p:nvSpPr>
+          <p:cNvPr id="479" name="CustomShape 2"/>
+          <p:cNvSpPr/>
+          <p:nvPr/>
+        </p:nvSpPr>
+        <p:spPr>
+          <a:xfrm>
+            <a:off x="8808120" y="2208240"/>
+            <a:ext cx="334800" cy="726120"/>
+          </a:xfrm>
+          <a:prstGeom prst="rect">
+            <a:avLst/>
+          </a:prstGeom>
+          <a:noFill/>
+          <a:ln>
+            <a:noFill/>
+          </a:ln>
+        </p:spPr>
+        <p:style>
+          <a:lnRef idx="0"/>
+          <a:fillRef idx="0"/>
+          <a:effectRef idx="0"/>
+          <a:fontRef idx="minor"/>
+        </p:style>
+        <p:txBody>
+          <a:bodyPr lIns="90000" rIns="90000" tIns="91440" bIns="91440" anchor="ctr"/>
+          <a:p>
             <a:pPr algn="ctr">
               <a:lnSpc>
                 <a:spcPct val="100000"/>
               </a:lnSpc>
             </a:pPr>
-            <a:r>
-              <a:rPr b="0" lang="pt-BR" sz="4000" spc="-1" strike="noStrike">
+            <a:fld id="{5E320AF2-C2D7-4D2A-9FC3-AF5CD208D447}" type="slidenum">
+              <a:rPr b="0" lang="pt-BR" sz="1000" spc="-1" strike="noStrike">
                 <a:solidFill>
                   <a:srgbClr val="ffffff"/>
                 </a:solidFill>
-                <a:latin typeface="Miriam Libre"/>
-                <a:ea typeface="Miriam Libre"/>
+                <a:latin typeface="Barlow"/>
+                <a:ea typeface="Barlow"/>
               </a:rPr>
-              <a:t>Estrutura</a:t>
-            </a:r>
-            <a:endParaRPr b="0" lang="pt-BR" sz="4000" spc="-1" strike="noStrike">
+              <a:t>&lt;número&gt;</a:t>
+            </a:fld>
+            <a:endParaRPr b="0" lang="pt-BR" sz="1000" spc="-1" strike="noStrike">
               <a:latin typeface="Arial"/>
             </a:endParaRPr>
           </a:p>
         </p:txBody>
       </p:sp>
+      <p:pic>
+        <p:nvPicPr>
+          <p:cNvPr id="480" name="" descr=""/>
+          <p:cNvPicPr/>
+          <p:nvPr/>
+        </p:nvPicPr>
+        <p:blipFill>
+          <a:blip r:embed="rId1"/>
+          <a:stretch/>
+        </p:blipFill>
+        <p:spPr>
+          <a:xfrm>
+            <a:off x="1462680" y="630720"/>
+            <a:ext cx="3231000" cy="4349880"/>
+          </a:xfrm>
+          <a:prstGeom prst="rect">
+            <a:avLst/>
+          </a:prstGeom>
+          <a:ln>
+            <a:noFill/>
+          </a:ln>
+        </p:spPr>
+      </p:pic>
     </p:spTree>
   </p:cSld>
   <p:timing>
@@ -42081,14 +42969,14 @@
       </p:grpSpPr>
       <p:sp>
         <p:nvSpPr>
-          <p:cNvPr id="478" name="CustomShape 1"/>
+          <p:cNvPr id="481" name="CustomShape 1"/>
           <p:cNvSpPr/>
           <p:nvPr/>
         </p:nvSpPr>
         <p:spPr>
           <a:xfrm>
-            <a:off x="685800" y="53640"/>
-            <a:ext cx="7771680" cy="784080"/>
+            <a:off x="2442240" y="1691280"/>
+            <a:ext cx="4363920" cy="1158840"/>
           </a:xfrm>
           <a:prstGeom prst="rect">
             <a:avLst/>
@@ -42105,104 +42993,29 @@
           <a:fontRef idx="minor"/>
         </p:style>
         <p:txBody>
-          <a:bodyPr lIns="90000" rIns="90000" tIns="91440" bIns="91440"/>
-          <a:p>
-            <a:pPr algn="ctr">
-              <a:lnSpc>
-                <a:spcPct val="100000"/>
-              </a:lnSpc>
-              <a:spcBef>
-                <a:spcPts val="601"/>
-              </a:spcBef>
-            </a:pPr>
-            <a:r>
-              <a:rPr b="0" lang="pt-BR" sz="2400" spc="-1" strike="noStrike">
-                <a:solidFill>
-                  <a:srgbClr val="000000"/>
-                </a:solidFill>
-                <a:latin typeface="Barlow Light"/>
-                <a:ea typeface="Barlow Light"/>
-              </a:rPr>
-              <a:t>Banco de Dados</a:t>
-            </a:r>
-            <a:endParaRPr b="0" lang="pt-BR" sz="2400" spc="-1" strike="noStrike">
-              <a:latin typeface="Arial"/>
-            </a:endParaRPr>
-          </a:p>
-        </p:txBody>
-      </p:sp>
-      <p:sp>
-        <p:nvSpPr>
-          <p:cNvPr id="479" name="CustomShape 2"/>
-          <p:cNvSpPr/>
-          <p:nvPr/>
-        </p:nvSpPr>
-        <p:spPr>
-          <a:xfrm>
-            <a:off x="4116240" y="4807440"/>
-            <a:ext cx="910440" cy="335160"/>
-          </a:xfrm>
-          <a:prstGeom prst="rect">
-            <a:avLst/>
-          </a:prstGeom>
-          <a:noFill/>
-          <a:ln>
-            <a:noFill/>
-          </a:ln>
-        </p:spPr>
-        <p:style>
-          <a:lnRef idx="0"/>
-          <a:fillRef idx="0"/>
-          <a:effectRef idx="0"/>
-          <a:fontRef idx="minor"/>
-        </p:style>
-        <p:txBody>
-          <a:bodyPr lIns="90000" rIns="90000" tIns="91440" bIns="91440" anchor="ctr"/>
+          <a:bodyPr lIns="90000" rIns="90000" tIns="91440" bIns="91440" anchor="b"/>
           <a:p>
             <a:pPr algn="ctr">
               <a:lnSpc>
                 <a:spcPct val="100000"/>
               </a:lnSpc>
             </a:pPr>
-            <a:fld id="{CE321787-DBBB-4FAA-A9D8-6A145844A328}" type="slidenum">
-              <a:rPr b="0" lang="pt-BR" sz="1000" spc="-1" strike="noStrike">
+            <a:r>
+              <a:rPr b="0" lang="pt-BR" sz="4000" spc="-1" strike="noStrike">
                 <a:solidFill>
                   <a:srgbClr val="ffffff"/>
                 </a:solidFill>
-                <a:latin typeface="Barlow"/>
-                <a:ea typeface="Barlow"/>
+                <a:latin typeface="Miriam Libre"/>
+                <a:ea typeface="Miriam Libre"/>
               </a:rPr>
-              <a:t>&lt;número&gt;</a:t>
-            </a:fld>
-            <a:endParaRPr b="0" lang="pt-BR" sz="1000" spc="-1" strike="noStrike">
+              <a:t>Estrutura</a:t>
+            </a:r>
+            <a:endParaRPr b="0" lang="pt-BR" sz="4000" spc="-1" strike="noStrike">
               <a:latin typeface="Arial"/>
             </a:endParaRPr>
           </a:p>
         </p:txBody>
       </p:sp>
-      <p:pic>
-        <p:nvPicPr>
-          <p:cNvPr id="480" name="Imagem 4" descr=""/>
-          <p:cNvPicPr/>
-          <p:nvPr/>
-        </p:nvPicPr>
-        <p:blipFill>
-          <a:blip r:embed="rId1"/>
-          <a:stretch/>
-        </p:blipFill>
-        <p:spPr>
-          <a:xfrm>
-            <a:off x="1041480" y="592200"/>
-            <a:ext cx="7193880" cy="4214520"/>
-          </a:xfrm>
-          <a:prstGeom prst="rect">
-            <a:avLst/>
-          </a:prstGeom>
-          <a:ln>
-            <a:noFill/>
-          </a:ln>
-        </p:spPr>
-      </p:pic>
     </p:spTree>
   </p:cSld>
   <p:timing>
